--- a/figures/figs-src.pptx
+++ b/figures/figs-src.pptx
@@ -3413,10 +3413,10 @@
       </p:grpSpPr>
       <p:grpSp>
         <p:nvGrpSpPr>
-          <p:cNvPr id="128" name="Group 127">
+          <p:cNvPr id="20" name="Group 19">
             <a:extLst>
               <a:ext uri="{FF2B5EF4-FFF2-40B4-BE49-F238E27FC236}">
-                <a16:creationId xmlns:a16="http://schemas.microsoft.com/office/drawing/2014/main" id="{13C14DFB-5AC2-5442-90A3-1E251598AEAE}"/>
+                <a16:creationId xmlns:a16="http://schemas.microsoft.com/office/drawing/2014/main" id="{EB7FB994-FD01-C24B-BB11-9A42A36E17D3}"/>
               </a:ext>
             </a:extLst>
           </p:cNvPr>
@@ -3426,10 +3426,11 @@
         <p:grpSpPr>
           <a:xfrm>
             <a:off x="924129" y="1443262"/>
-            <a:ext cx="6398018" cy="4302234"/>
+            <a:ext cx="6398018" cy="4185498"/>
             <a:chOff x="924129" y="1443262"/>
-            <a:chExt cx="6398018" cy="4302234"/>
+            <a:chExt cx="6398018" cy="4185498"/>
           </a:xfrm>
+          <a:effectLst/>
         </p:grpSpPr>
         <p:sp>
           <p:nvSpPr>
@@ -3439,12 +3440,13 @@
           </p:nvSpPr>
           <p:spPr>
             <a:xfrm>
-              <a:off x="924129" y="5191315"/>
+              <a:off x="924129" y="5074579"/>
               <a:ext cx="6398018" cy="554181"/>
             </a:xfrm>
             <a:prstGeom prst="cloud">
               <a:avLst/>
             </a:prstGeom>
+            <a:effectLst/>
           </p:spPr>
           <p:style>
             <a:lnRef idx="1">
@@ -3476,12 +3478,254 @@
             </a:p>
           </p:txBody>
         </p:sp>
+        <p:sp>
+          <p:nvSpPr>
+            <p:cNvPr id="3" name="Rounded Rectangle 2"/>
+            <p:cNvSpPr/>
+            <p:nvPr/>
+          </p:nvSpPr>
+          <p:spPr>
+            <a:xfrm>
+              <a:off x="924129" y="1720354"/>
+              <a:ext cx="2957208" cy="3162931"/>
+            </a:xfrm>
+            <a:prstGeom prst="roundRect">
+              <a:avLst>
+                <a:gd name="adj" fmla="val 1990"/>
+              </a:avLst>
+            </a:prstGeom>
+            <a:solidFill>
+              <a:schemeClr val="bg1">
+                <a:lumMod val="85000"/>
+              </a:schemeClr>
+            </a:solidFill>
+            <a:ln w="38100">
+              <a:noFill/>
+              <a:round/>
+              <a:headEnd/>
+              <a:tailEnd/>
+            </a:ln>
+          </p:spPr>
+          <p:txBody>
+            <a:bodyPr wrap="none" anchor="b"/>
+            <a:lstStyle/>
+            <a:p>
+              <a:pPr defTabSz="914400" eaLnBrk="0" hangingPunct="0"/>
+              <a:r>
+                <a:rPr lang="en-US" sz="1400" b="1" kern="0" dirty="0" err="1">
+                  <a:solidFill>
+                    <a:sysClr val="windowText" lastClr="000000"/>
+                  </a:solidFill>
+                  <a:latin typeface="Arial"/>
+                  <a:cs typeface="Arial"/>
+                </a:rPr>
+                <a:t>Node</a:t>
+              </a:r>
+              <a:r>
+                <a:rPr lang="en-US" sz="1400" b="1" kern="0" baseline="-25000" dirty="0" err="1">
+                  <a:solidFill>
+                    <a:sysClr val="windowText" lastClr="000000"/>
+                  </a:solidFill>
+                  <a:latin typeface="Arial"/>
+                  <a:cs typeface="Arial"/>
+                </a:rPr>
+                <a:t>i</a:t>
+              </a:r>
+              <a:endParaRPr lang="en-US" sz="1400" b="1" kern="0" baseline="-25000" dirty="0">
+                <a:solidFill>
+                  <a:sysClr val="windowText" lastClr="000000"/>
+                </a:solidFill>
+                <a:latin typeface="Arial"/>
+                <a:cs typeface="Arial"/>
+              </a:endParaRPr>
+            </a:p>
+          </p:txBody>
+        </p:sp>
+        <p:cxnSp>
+          <p:nvCxnSpPr>
+            <p:cNvPr id="37" name="Straight Arrow Connector 36"/>
+            <p:cNvCxnSpPr>
+              <a:cxnSpLocks/>
+              <a:endCxn id="3" idx="2"/>
+            </p:cNvCxnSpPr>
+            <p:nvPr/>
+          </p:nvCxnSpPr>
+          <p:spPr>
+            <a:xfrm flipV="1">
+              <a:off x="2402733" y="4883285"/>
+              <a:ext cx="0" cy="428018"/>
+            </a:xfrm>
+            <a:prstGeom prst="straightConnector1">
+              <a:avLst/>
+            </a:prstGeom>
+            <a:ln>
+              <a:headEnd type="arrow"/>
+              <a:tailEnd type="arrow"/>
+            </a:ln>
+            <a:effectLst/>
+          </p:spPr>
+          <p:style>
+            <a:lnRef idx="2">
+              <a:schemeClr val="dk1"/>
+            </a:lnRef>
+            <a:fillRef idx="0">
+              <a:schemeClr val="dk1"/>
+            </a:fillRef>
+            <a:effectRef idx="1">
+              <a:schemeClr val="dk1"/>
+            </a:effectRef>
+            <a:fontRef idx="minor">
+              <a:schemeClr val="tx1"/>
+            </a:fontRef>
+          </p:style>
+        </p:cxnSp>
+        <p:cxnSp>
+          <p:nvCxnSpPr>
+            <p:cNvPr id="49" name="Straight Arrow Connector 48"/>
+            <p:cNvCxnSpPr>
+              <a:cxnSpLocks/>
+              <a:stCxn id="27" idx="0"/>
+            </p:cNvCxnSpPr>
+            <p:nvPr/>
+          </p:nvCxnSpPr>
+          <p:spPr>
+            <a:xfrm flipV="1">
+              <a:off x="1709630" y="2772666"/>
+              <a:ext cx="0" cy="248992"/>
+            </a:xfrm>
+            <a:prstGeom prst="straightConnector1">
+              <a:avLst/>
+            </a:prstGeom>
+            <a:ln>
+              <a:tailEnd type="arrow"/>
+            </a:ln>
+            <a:effectLst/>
+          </p:spPr>
+          <p:style>
+            <a:lnRef idx="2">
+              <a:schemeClr val="dk1"/>
+            </a:lnRef>
+            <a:fillRef idx="0">
+              <a:schemeClr val="dk1"/>
+            </a:fillRef>
+            <a:effectRef idx="1">
+              <a:schemeClr val="dk1"/>
+            </a:effectRef>
+            <a:fontRef idx="minor">
+              <a:schemeClr val="tx1"/>
+            </a:fontRef>
+          </p:style>
+        </p:cxnSp>
+        <p:sp>
+          <p:nvSpPr>
+            <p:cNvPr id="27" name="Rounded Rectangle 26"/>
+            <p:cNvSpPr/>
+            <p:nvPr/>
+          </p:nvSpPr>
+          <p:spPr>
+            <a:xfrm>
+              <a:off x="997275" y="3021658"/>
+              <a:ext cx="1424710" cy="485864"/>
+            </a:xfrm>
+            <a:prstGeom prst="roundRect">
+              <a:avLst/>
+            </a:prstGeom>
+            <a:solidFill>
+              <a:schemeClr val="accent1">
+                <a:lumMod val="40000"/>
+                <a:lumOff val="60000"/>
+              </a:schemeClr>
+            </a:solidFill>
+            <a:effectLst/>
+          </p:spPr>
+          <p:style>
+            <a:lnRef idx="3">
+              <a:schemeClr val="lt1"/>
+            </a:lnRef>
+            <a:fillRef idx="1">
+              <a:schemeClr val="accent1"/>
+            </a:fillRef>
+            <a:effectRef idx="1">
+              <a:schemeClr val="accent1"/>
+            </a:effectRef>
+            <a:fontRef idx="minor">
+              <a:schemeClr val="lt1"/>
+            </a:fontRef>
+          </p:style>
+          <p:txBody>
+            <a:bodyPr rtlCol="0" anchor="ctr"/>
+            <a:lstStyle/>
+            <a:p>
+              <a:pPr algn="ctr"/>
+              <a:r>
+                <a:rPr lang="en-US" sz="1400" dirty="0">
+                  <a:solidFill>
+                    <a:sysClr val="windowText" lastClr="000000"/>
+                  </a:solidFill>
+                </a:rPr>
+                <a:t>Monitor</a:t>
+              </a:r>
+            </a:p>
+          </p:txBody>
+        </p:sp>
+        <p:sp>
+          <p:nvSpPr>
+            <p:cNvPr id="4" name="Rounded Rectangle 3"/>
+            <p:cNvSpPr/>
+            <p:nvPr/>
+          </p:nvSpPr>
+          <p:spPr>
+            <a:xfrm>
+              <a:off x="992219" y="4128002"/>
+              <a:ext cx="2830750" cy="447437"/>
+            </a:xfrm>
+            <a:prstGeom prst="roundRect">
+              <a:avLst/>
+            </a:prstGeom>
+            <a:solidFill>
+              <a:schemeClr val="accent1">
+                <a:lumMod val="40000"/>
+                <a:lumOff val="60000"/>
+              </a:schemeClr>
+            </a:solidFill>
+            <a:effectLst/>
+          </p:spPr>
+          <p:style>
+            <a:lnRef idx="3">
+              <a:schemeClr val="lt1"/>
+            </a:lnRef>
+            <a:fillRef idx="1">
+              <a:schemeClr val="accent1"/>
+            </a:fillRef>
+            <a:effectRef idx="1">
+              <a:schemeClr val="accent1"/>
+            </a:effectRef>
+            <a:fontRef idx="minor">
+              <a:schemeClr val="lt1"/>
+            </a:fontRef>
+          </p:style>
+          <p:txBody>
+            <a:bodyPr rtlCol="0" anchor="ctr"/>
+            <a:lstStyle/>
+            <a:p>
+              <a:pPr algn="ctr"/>
+              <a:r>
+                <a:rPr lang="en-US" sz="1400" dirty="0">
+                  <a:solidFill>
+                    <a:sysClr val="windowText" lastClr="000000"/>
+                  </a:solidFill>
+                </a:rPr>
+                <a:t>Dissemination</a:t>
+              </a:r>
+            </a:p>
+          </p:txBody>
+        </p:sp>
         <p:grpSp>
           <p:nvGrpSpPr>
-            <p:cNvPr id="84" name="Group 83">
+            <p:cNvPr id="15" name="Group 14">
               <a:extLst>
                 <a:ext uri="{FF2B5EF4-FFF2-40B4-BE49-F238E27FC236}">
-                  <a16:creationId xmlns:a16="http://schemas.microsoft.com/office/drawing/2014/main" id="{9C5B4A1E-6054-A643-A0D9-B695E40B5C47}"/>
+                  <a16:creationId xmlns:a16="http://schemas.microsoft.com/office/drawing/2014/main" id="{37365688-0C82-C44B-9980-F6780A292721}"/>
                 </a:ext>
               </a:extLst>
             </p:cNvPr>
@@ -3490,1040 +3734,31 @@
           </p:nvGrpSpPr>
           <p:grpSpPr>
             <a:xfrm>
-              <a:off x="924129" y="1443262"/>
-              <a:ext cx="2957208" cy="3868040"/>
-              <a:chOff x="924129" y="1443262"/>
-              <a:chExt cx="2957208" cy="3868040"/>
+              <a:off x="992219" y="1760708"/>
+              <a:ext cx="2830750" cy="1011957"/>
+              <a:chOff x="1070043" y="1284051"/>
+              <a:chExt cx="2830750" cy="1011957"/>
             </a:xfrm>
           </p:grpSpPr>
           <p:sp>
             <p:nvSpPr>
-              <p:cNvPr id="3" name="Rounded Rectangle 2"/>
+              <p:cNvPr id="26" name="Rounded Rectangle 25"/>
               <p:cNvSpPr/>
               <p:nvPr/>
             </p:nvSpPr>
             <p:spPr>
               <a:xfrm>
-                <a:off x="924129" y="1720354"/>
-                <a:ext cx="2957208" cy="3255738"/>
+                <a:off x="1070043" y="1284051"/>
+                <a:ext cx="2830750" cy="1011957"/>
               </a:xfrm>
               <a:prstGeom prst="roundRect">
                 <a:avLst>
-                  <a:gd name="adj" fmla="val 1990"/>
+                  <a:gd name="adj" fmla="val 6990"/>
                 </a:avLst>
               </a:prstGeom>
               <a:solidFill>
                 <a:schemeClr val="bg1">
-                  <a:lumMod val="85000"/>
-                </a:schemeClr>
-              </a:solidFill>
-              <a:ln w="38100">
-                <a:noFill/>
-                <a:round/>
-                <a:headEnd/>
-                <a:tailEnd/>
-              </a:ln>
-            </p:spPr>
-            <p:txBody>
-              <a:bodyPr wrap="none" anchor="b"/>
-              <a:lstStyle/>
-              <a:p>
-                <a:pPr defTabSz="914400" eaLnBrk="0" hangingPunct="0"/>
-                <a:r>
-                  <a:rPr lang="en-US" sz="1400" b="1" kern="0" dirty="0" err="1">
-                    <a:solidFill>
-                      <a:sysClr val="windowText" lastClr="000000"/>
-                    </a:solidFill>
-                    <a:latin typeface="Arial"/>
-                    <a:cs typeface="Arial"/>
-                  </a:rPr>
-                  <a:t>Node</a:t>
-                </a:r>
-                <a:r>
-                  <a:rPr lang="en-US" sz="1400" b="1" kern="0" baseline="-25000" dirty="0" err="1">
-                    <a:solidFill>
-                      <a:sysClr val="windowText" lastClr="000000"/>
-                    </a:solidFill>
-                    <a:latin typeface="Arial"/>
-                    <a:cs typeface="Arial"/>
-                  </a:rPr>
-                  <a:t>i</a:t>
-                </a:r>
-                <a:endParaRPr lang="en-US" sz="1400" b="1" kern="0" baseline="-25000" dirty="0">
-                  <a:solidFill>
-                    <a:sysClr val="windowText" lastClr="000000"/>
-                  </a:solidFill>
-                  <a:latin typeface="Arial"/>
-                  <a:cs typeface="Arial"/>
-                </a:endParaRPr>
-              </a:p>
-            </p:txBody>
-          </p:sp>
-          <p:cxnSp>
-            <p:nvCxnSpPr>
-              <p:cNvPr id="37" name="Straight Arrow Connector 36"/>
-              <p:cNvCxnSpPr>
-                <a:cxnSpLocks/>
-                <a:endCxn id="3" idx="2"/>
-              </p:cNvCxnSpPr>
-              <p:nvPr/>
-            </p:nvCxnSpPr>
-            <p:spPr>
-              <a:xfrm flipV="1">
-                <a:off x="2402733" y="4976092"/>
-                <a:ext cx="0" cy="335210"/>
-              </a:xfrm>
-              <a:prstGeom prst="straightConnector1">
-                <a:avLst/>
-              </a:prstGeom>
-              <a:ln>
-                <a:headEnd type="arrow"/>
-                <a:tailEnd type="arrow"/>
-              </a:ln>
-            </p:spPr>
-            <p:style>
-              <a:lnRef idx="2">
-                <a:schemeClr val="dk1"/>
-              </a:lnRef>
-              <a:fillRef idx="0">
-                <a:schemeClr val="dk1"/>
-              </a:fillRef>
-              <a:effectRef idx="1">
-                <a:schemeClr val="dk1"/>
-              </a:effectRef>
-              <a:fontRef idx="minor">
-                <a:schemeClr val="tx1"/>
-              </a:fontRef>
-            </p:style>
-          </p:cxnSp>
-          <p:cxnSp>
-            <p:nvCxnSpPr>
-              <p:cNvPr id="49" name="Straight Arrow Connector 48"/>
-              <p:cNvCxnSpPr>
-                <a:cxnSpLocks/>
-                <a:stCxn id="27" idx="0"/>
-              </p:cNvCxnSpPr>
-              <p:nvPr/>
-            </p:nvCxnSpPr>
-            <p:spPr>
-              <a:xfrm flipV="1">
-                <a:off x="2847776" y="2772665"/>
-                <a:ext cx="0" cy="242383"/>
-              </a:xfrm>
-              <a:prstGeom prst="straightConnector1">
-                <a:avLst/>
-              </a:prstGeom>
-              <a:ln>
-                <a:tailEnd type="arrow"/>
-              </a:ln>
-            </p:spPr>
-            <p:style>
-              <a:lnRef idx="2">
-                <a:schemeClr val="dk1"/>
-              </a:lnRef>
-              <a:fillRef idx="0">
-                <a:schemeClr val="dk1"/>
-              </a:fillRef>
-              <a:effectRef idx="1">
-                <a:schemeClr val="dk1"/>
-              </a:effectRef>
-              <a:fontRef idx="minor">
-                <a:schemeClr val="tx1"/>
-              </a:fontRef>
-            </p:style>
-          </p:cxnSp>
-          <p:sp>
-            <p:nvSpPr>
-              <p:cNvPr id="27" name="Rounded Rectangle 26"/>
-              <p:cNvSpPr/>
-              <p:nvPr/>
-            </p:nvSpPr>
-            <p:spPr>
-              <a:xfrm>
-                <a:off x="2135421" y="3015048"/>
-                <a:ext cx="1424710" cy="629240"/>
-              </a:xfrm>
-              <a:prstGeom prst="roundRect">
-                <a:avLst/>
-              </a:prstGeom>
-              <a:solidFill>
-                <a:schemeClr val="accent1">
-                  <a:lumMod val="40000"/>
-                  <a:lumOff val="60000"/>
-                </a:schemeClr>
-              </a:solidFill>
-            </p:spPr>
-            <p:style>
-              <a:lnRef idx="3">
-                <a:schemeClr val="lt1"/>
-              </a:lnRef>
-              <a:fillRef idx="1">
-                <a:schemeClr val="accent1"/>
-              </a:fillRef>
-              <a:effectRef idx="1">
-                <a:schemeClr val="accent1"/>
-              </a:effectRef>
-              <a:fontRef idx="minor">
-                <a:schemeClr val="lt1"/>
-              </a:fontRef>
-            </p:style>
-            <p:txBody>
-              <a:bodyPr rtlCol="0" anchor="ctr"/>
-              <a:lstStyle/>
-              <a:p>
-                <a:pPr algn="ctr"/>
-                <a:r>
-                  <a:rPr lang="en-US" sz="1400" dirty="0">
-                    <a:solidFill>
-                      <a:sysClr val="windowText" lastClr="000000"/>
-                    </a:solidFill>
-                  </a:rPr>
-                  <a:t>Monitor</a:t>
-                </a:r>
-              </a:p>
-            </p:txBody>
-          </p:sp>
-          <p:sp>
-            <p:nvSpPr>
-              <p:cNvPr id="4" name="Rounded Rectangle 3"/>
-              <p:cNvSpPr/>
-              <p:nvPr/>
-            </p:nvSpPr>
-            <p:spPr>
-              <a:xfrm>
-                <a:off x="2127514" y="4423692"/>
-                <a:ext cx="1424710" cy="436921"/>
-              </a:xfrm>
-              <a:prstGeom prst="roundRect">
-                <a:avLst/>
-              </a:prstGeom>
-              <a:solidFill>
-                <a:schemeClr val="accent1">
-                  <a:lumMod val="40000"/>
-                  <a:lumOff val="60000"/>
-                </a:schemeClr>
-              </a:solidFill>
-            </p:spPr>
-            <p:style>
-              <a:lnRef idx="3">
-                <a:schemeClr val="lt1"/>
-              </a:lnRef>
-              <a:fillRef idx="1">
-                <a:schemeClr val="accent1"/>
-              </a:fillRef>
-              <a:effectRef idx="1">
-                <a:schemeClr val="accent1"/>
-              </a:effectRef>
-              <a:fontRef idx="minor">
-                <a:schemeClr val="lt1"/>
-              </a:fontRef>
-            </p:style>
-            <p:txBody>
-              <a:bodyPr rtlCol="0" anchor="ctr"/>
-              <a:lstStyle/>
-              <a:p>
-                <a:pPr algn="ctr"/>
-                <a:r>
-                  <a:rPr lang="en-US" sz="1400" dirty="0">
-                    <a:solidFill>
-                      <a:sysClr val="windowText" lastClr="000000"/>
-                    </a:solidFill>
-                  </a:rPr>
-                  <a:t>Dissemination</a:t>
-                </a:r>
-              </a:p>
-            </p:txBody>
-          </p:sp>
-          <p:sp>
-            <p:nvSpPr>
-              <p:cNvPr id="6" name="Rounded Rectangle 5"/>
-              <p:cNvSpPr/>
-              <p:nvPr/>
-            </p:nvSpPr>
-            <p:spPr>
-              <a:xfrm>
-                <a:off x="2135421" y="3719369"/>
-                <a:ext cx="1424710" cy="629241"/>
-              </a:xfrm>
-              <a:prstGeom prst="roundRect">
-                <a:avLst/>
-              </a:prstGeom>
-              <a:solidFill>
-                <a:schemeClr val="accent1">
-                  <a:lumMod val="40000"/>
-                  <a:lumOff val="60000"/>
-                </a:schemeClr>
-              </a:solidFill>
-            </p:spPr>
-            <p:style>
-              <a:lnRef idx="3">
-                <a:schemeClr val="lt1"/>
-              </a:lnRef>
-              <a:fillRef idx="1">
-                <a:schemeClr val="accent1"/>
-              </a:fillRef>
-              <a:effectRef idx="1">
-                <a:schemeClr val="accent1"/>
-              </a:effectRef>
-              <a:fontRef idx="minor">
-                <a:schemeClr val="lt1"/>
-              </a:fontRef>
-            </p:style>
-            <p:txBody>
-              <a:bodyPr rtlCol="0" anchor="ctr"/>
-              <a:lstStyle/>
-              <a:p>
-                <a:pPr algn="ctr"/>
-                <a:r>
-                  <a:rPr lang="en-US" sz="1400" dirty="0">
-                    <a:solidFill>
-                      <a:sysClr val="windowText" lastClr="000000"/>
-                    </a:solidFill>
-                  </a:rPr>
-                  <a:t>Assembly Manager</a:t>
-                </a:r>
-              </a:p>
-            </p:txBody>
-          </p:sp>
-          <p:grpSp>
-            <p:nvGrpSpPr>
-              <p:cNvPr id="15" name="Group 14">
-                <a:extLst>
-                  <a:ext uri="{FF2B5EF4-FFF2-40B4-BE49-F238E27FC236}">
-                    <a16:creationId xmlns:a16="http://schemas.microsoft.com/office/drawing/2014/main" id="{37365688-0C82-C44B-9980-F6780A292721}"/>
-                  </a:ext>
-                </a:extLst>
-              </p:cNvPr>
-              <p:cNvGrpSpPr/>
-              <p:nvPr/>
-            </p:nvGrpSpPr>
-            <p:grpSpPr>
-              <a:xfrm>
-                <a:off x="992219" y="1760708"/>
-                <a:ext cx="2830750" cy="1011957"/>
-                <a:chOff x="1070043" y="1284051"/>
-                <a:chExt cx="2830750" cy="1011957"/>
-              </a:xfrm>
-            </p:grpSpPr>
-            <p:sp>
-              <p:nvSpPr>
-                <p:cNvPr id="26" name="Rounded Rectangle 25"/>
-                <p:cNvSpPr/>
-                <p:nvPr/>
-              </p:nvSpPr>
-              <p:spPr>
-                <a:xfrm>
-                  <a:off x="1070043" y="1284051"/>
-                  <a:ext cx="2830750" cy="1011957"/>
-                </a:xfrm>
-                <a:prstGeom prst="roundRect">
-                  <a:avLst>
-                    <a:gd name="adj" fmla="val 6990"/>
-                  </a:avLst>
-                </a:prstGeom>
-                <a:solidFill>
-                  <a:schemeClr val="bg1">
-                    <a:lumMod val="95000"/>
-                  </a:schemeClr>
-                </a:solidFill>
-                <a:ln w="38100">
-                  <a:noFill/>
-                  <a:round/>
-                  <a:headEnd/>
-                  <a:tailEnd/>
-                </a:ln>
-              </p:spPr>
-              <p:txBody>
-                <a:bodyPr wrap="none" anchor="b"/>
-                <a:lstStyle/>
-                <a:p>
-                  <a:pPr algn="r" defTabSz="914400" eaLnBrk="0" hangingPunct="0"/>
-                  <a:r>
-                    <a:rPr lang="en-US" sz="1400" b="1" kern="0" dirty="0">
-                      <a:solidFill>
-                        <a:sysClr val="windowText" lastClr="000000"/>
-                      </a:solidFill>
-                      <a:latin typeface="Arial"/>
-                      <a:cs typeface="Arial"/>
-                    </a:rPr>
-                    <a:t>Service Pool</a:t>
-                  </a:r>
-                </a:p>
-              </p:txBody>
-            </p:sp>
-            <p:sp>
-              <p:nvSpPr>
-                <p:cNvPr id="34" name="AutoShape 201"/>
-                <p:cNvSpPr>
-                  <a:spLocks noChangeArrowheads="1"/>
-                </p:cNvSpPr>
-                <p:nvPr/>
-              </p:nvSpPr>
-              <p:spPr bwMode="auto">
-                <a:xfrm>
-                  <a:off x="1142311" y="1332424"/>
-                  <a:ext cx="686489" cy="620793"/>
-                </a:xfrm>
-                <a:prstGeom prst="roundRect">
-                  <a:avLst>
-                    <a:gd name="adj" fmla="val 4635"/>
-                  </a:avLst>
-                </a:prstGeom>
-                <a:ln>
-                  <a:headEnd/>
-                  <a:tailEnd/>
-                </a:ln>
-              </p:spPr>
-              <p:style>
-                <a:lnRef idx="2">
-                  <a:schemeClr val="dk1"/>
-                </a:lnRef>
-                <a:fillRef idx="1">
-                  <a:schemeClr val="lt1"/>
-                </a:fillRef>
-                <a:effectRef idx="0">
-                  <a:schemeClr val="dk1"/>
-                </a:effectRef>
-                <a:fontRef idx="minor">
-                  <a:schemeClr val="dk1"/>
-                </a:fontRef>
-              </p:style>
-              <p:txBody>
-                <a:bodyPr wrap="none" anchor="ctr"/>
-                <a:lstStyle/>
-                <a:p>
-                  <a:pPr marL="0" marR="0" lvl="0" indent="0" algn="ctr" defTabSz="914400" eaLnBrk="0" fontAlgn="auto" latinLnBrk="0" hangingPunct="0">
-                    <a:lnSpc>
-                      <a:spcPct val="100000"/>
-                    </a:lnSpc>
-                    <a:spcBef>
-                      <a:spcPts val="0"/>
-                    </a:spcBef>
-                    <a:spcAft>
-                      <a:spcPts val="0"/>
-                    </a:spcAft>
-                    <a:buClrTx/>
-                    <a:buSzTx/>
-                    <a:buFontTx/>
-                    <a:buNone/>
-                    <a:tabLst/>
-                    <a:defRPr/>
-                  </a:pPr>
-                  <a:r>
-                    <a:rPr kumimoji="0" lang="en-US" sz="1400" b="1" i="1" u="none" strike="noStrike" kern="0" cap="none" spc="0" normalizeH="0" baseline="0" noProof="0" dirty="0">
-                      <a:ln>
-                        <a:noFill/>
-                      </a:ln>
-                      <a:solidFill>
-                        <a:schemeClr val="tx1"/>
-                      </a:solidFill>
-                      <a:uLnTx/>
-                      <a:uFillTx/>
-                      <a:latin typeface="Arial"/>
-                      <a:cs typeface="Arial"/>
-                    </a:rPr>
-                    <a:t>S</a:t>
-                  </a:r>
-                  <a:r>
-                    <a:rPr kumimoji="0" lang="en-US" sz="1400" b="1" i="1" u="none" strike="noStrike" kern="0" cap="none" spc="0" normalizeH="0" baseline="-25000" noProof="0" dirty="0">
-                      <a:ln>
-                        <a:noFill/>
-                      </a:ln>
-                      <a:solidFill>
-                        <a:schemeClr val="tx1"/>
-                      </a:solidFill>
-                      <a:uLnTx/>
-                      <a:uFillTx/>
-                      <a:latin typeface="Arial"/>
-                      <a:cs typeface="Arial"/>
-                    </a:rPr>
-                    <a:t>1</a:t>
-                  </a:r>
-                </a:p>
-              </p:txBody>
-            </p:sp>
-            <p:sp>
-              <p:nvSpPr>
-                <p:cNvPr id="22" name="AutoShape 201">
-                  <a:extLst>
-                    <a:ext uri="{FF2B5EF4-FFF2-40B4-BE49-F238E27FC236}">
-                      <a16:creationId xmlns:a16="http://schemas.microsoft.com/office/drawing/2014/main" id="{06CBB468-D183-6944-A077-3DA5C927059E}"/>
-                    </a:ext>
-                  </a:extLst>
-                </p:cNvPr>
-                <p:cNvSpPr>
-                  <a:spLocks noChangeArrowheads="1"/>
-                </p:cNvSpPr>
-                <p:nvPr/>
-              </p:nvSpPr>
-              <p:spPr bwMode="auto">
-                <a:xfrm>
-                  <a:off x="1885534" y="1332424"/>
-                  <a:ext cx="686891" cy="620793"/>
-                </a:xfrm>
-                <a:prstGeom prst="roundRect">
-                  <a:avLst>
-                    <a:gd name="adj" fmla="val 4635"/>
-                  </a:avLst>
-                </a:prstGeom>
-                <a:ln>
-                  <a:headEnd/>
-                  <a:tailEnd/>
-                </a:ln>
-              </p:spPr>
-              <p:style>
-                <a:lnRef idx="2">
-                  <a:schemeClr val="dk1"/>
-                </a:lnRef>
-                <a:fillRef idx="1">
-                  <a:schemeClr val="lt1"/>
-                </a:fillRef>
-                <a:effectRef idx="0">
-                  <a:schemeClr val="dk1"/>
-                </a:effectRef>
-                <a:fontRef idx="minor">
-                  <a:schemeClr val="dk1"/>
-                </a:fontRef>
-              </p:style>
-              <p:txBody>
-                <a:bodyPr wrap="none" anchor="ctr"/>
-                <a:lstStyle/>
-                <a:p>
-                  <a:pPr marL="0" marR="0" lvl="0" indent="0" algn="ctr" defTabSz="914400" eaLnBrk="0" fontAlgn="auto" latinLnBrk="0" hangingPunct="0">
-                    <a:lnSpc>
-                      <a:spcPct val="100000"/>
-                    </a:lnSpc>
-                    <a:spcBef>
-                      <a:spcPts val="0"/>
-                    </a:spcBef>
-                    <a:spcAft>
-                      <a:spcPts val="0"/>
-                    </a:spcAft>
-                    <a:buClrTx/>
-                    <a:buSzTx/>
-                    <a:buFontTx/>
-                    <a:buNone/>
-                    <a:tabLst/>
-                    <a:defRPr/>
-                  </a:pPr>
-                  <a:r>
-                    <a:rPr kumimoji="0" lang="en-US" sz="1400" b="1" i="1" u="none" strike="noStrike" kern="0" cap="none" spc="0" normalizeH="0" baseline="0" noProof="0" dirty="0">
-                      <a:ln>
-                        <a:noFill/>
-                      </a:ln>
-                      <a:solidFill>
-                        <a:schemeClr val="tx1"/>
-                      </a:solidFill>
-                      <a:uLnTx/>
-                      <a:uFillTx/>
-                      <a:latin typeface="Arial"/>
-                      <a:cs typeface="Arial"/>
-                    </a:rPr>
-                    <a:t>S</a:t>
-                  </a:r>
-                  <a:r>
-                    <a:rPr kumimoji="0" lang="en-US" sz="1400" b="1" i="1" u="none" strike="noStrike" kern="0" cap="none" spc="0" normalizeH="0" baseline="-25000" noProof="0" dirty="0">
-                      <a:ln>
-                        <a:noFill/>
-                      </a:ln>
-                      <a:solidFill>
-                        <a:schemeClr val="tx1"/>
-                      </a:solidFill>
-                      <a:uLnTx/>
-                      <a:uFillTx/>
-                      <a:latin typeface="Arial"/>
-                      <a:cs typeface="Arial"/>
-                    </a:rPr>
-                    <a:t>2</a:t>
-                  </a:r>
-                </a:p>
-              </p:txBody>
-            </p:sp>
-            <p:sp>
-              <p:nvSpPr>
-                <p:cNvPr id="24" name="AutoShape 201">
-                  <a:extLst>
-                    <a:ext uri="{FF2B5EF4-FFF2-40B4-BE49-F238E27FC236}">
-                      <a16:creationId xmlns:a16="http://schemas.microsoft.com/office/drawing/2014/main" id="{D0C86036-E0E3-0C40-996F-8A202B5CDF2D}"/>
-                    </a:ext>
-                  </a:extLst>
-                </p:cNvPr>
-                <p:cNvSpPr>
-                  <a:spLocks noChangeArrowheads="1"/>
-                </p:cNvSpPr>
-                <p:nvPr/>
-              </p:nvSpPr>
-              <p:spPr bwMode="auto">
-                <a:xfrm>
-                  <a:off x="3115688" y="1332425"/>
-                  <a:ext cx="691084" cy="609746"/>
-                </a:xfrm>
-                <a:prstGeom prst="roundRect">
-                  <a:avLst>
-                    <a:gd name="adj" fmla="val 4635"/>
-                  </a:avLst>
-                </a:prstGeom>
-                <a:ln>
-                  <a:headEnd/>
-                  <a:tailEnd/>
-                </a:ln>
-              </p:spPr>
-              <p:style>
-                <a:lnRef idx="2">
-                  <a:schemeClr val="dk1"/>
-                </a:lnRef>
-                <a:fillRef idx="1">
-                  <a:schemeClr val="lt1"/>
-                </a:fillRef>
-                <a:effectRef idx="0">
-                  <a:schemeClr val="dk1"/>
-                </a:effectRef>
-                <a:fontRef idx="minor">
-                  <a:schemeClr val="dk1"/>
-                </a:fontRef>
-              </p:style>
-              <p:txBody>
-                <a:bodyPr wrap="none" anchor="ctr"/>
-                <a:lstStyle/>
-                <a:p>
-                  <a:pPr marL="0" marR="0" lvl="0" indent="0" algn="ctr" defTabSz="914400" eaLnBrk="0" fontAlgn="auto" latinLnBrk="0" hangingPunct="0">
-                    <a:lnSpc>
-                      <a:spcPct val="100000"/>
-                    </a:lnSpc>
-                    <a:spcBef>
-                      <a:spcPts val="0"/>
-                    </a:spcBef>
-                    <a:spcAft>
-                      <a:spcPts val="0"/>
-                    </a:spcAft>
-                    <a:buClrTx/>
-                    <a:buSzTx/>
-                    <a:buFontTx/>
-                    <a:buNone/>
-                    <a:tabLst/>
-                    <a:defRPr/>
-                  </a:pPr>
-                  <a:r>
-                    <a:rPr kumimoji="0" lang="en-US" sz="1400" b="1" i="1" u="none" strike="noStrike" kern="0" cap="none" spc="0" normalizeH="0" baseline="0" noProof="0" dirty="0">
-                      <a:ln>
-                        <a:noFill/>
-                      </a:ln>
-                      <a:solidFill>
-                        <a:schemeClr val="tx1"/>
-                      </a:solidFill>
-                      <a:uLnTx/>
-                      <a:uFillTx/>
-                      <a:latin typeface="Arial"/>
-                      <a:cs typeface="Arial"/>
-                    </a:rPr>
-                    <a:t>S</a:t>
-                  </a:r>
-                  <a:r>
-                    <a:rPr kumimoji="0" lang="en-US" sz="1400" b="1" i="1" u="none" strike="noStrike" kern="0" cap="none" spc="0" normalizeH="0" baseline="-25000" noProof="0" dirty="0">
-                      <a:ln>
-                        <a:noFill/>
-                      </a:ln>
-                      <a:solidFill>
-                        <a:schemeClr val="tx1"/>
-                      </a:solidFill>
-                      <a:uLnTx/>
-                      <a:uFillTx/>
-                      <a:latin typeface="Arial"/>
-                      <a:cs typeface="Arial"/>
-                    </a:rPr>
-                    <a:t>n</a:t>
-                  </a:r>
-                </a:p>
-              </p:txBody>
-            </p:sp>
-            <p:sp>
-              <p:nvSpPr>
-                <p:cNvPr id="8" name="TextBox 7">
-                  <a:extLst>
-                    <a:ext uri="{FF2B5EF4-FFF2-40B4-BE49-F238E27FC236}">
-                      <a16:creationId xmlns:a16="http://schemas.microsoft.com/office/drawing/2014/main" id="{EFA6A5D4-4609-AB41-8E5E-300AED3E780A}"/>
-                    </a:ext>
-                  </a:extLst>
-                </p:cNvPr>
-                <p:cNvSpPr txBox="1"/>
-                <p:nvPr/>
-              </p:nvSpPr>
-              <p:spPr>
-                <a:xfrm>
-                  <a:off x="2647290" y="1357395"/>
-                  <a:ext cx="468398" cy="584775"/>
-                </a:xfrm>
-                <a:prstGeom prst="rect">
-                  <a:avLst/>
-                </a:prstGeom>
-                <a:noFill/>
-              </p:spPr>
-              <p:txBody>
-                <a:bodyPr wrap="none" rtlCol="0" anchor="ctr">
-                  <a:spAutoFit/>
-                </a:bodyPr>
-                <a:lstStyle/>
-                <a:p>
-                  <a:r>
-                    <a:rPr lang="en-US" sz="3200" dirty="0"/>
-                    <a:t>…</a:t>
-                  </a:r>
-                </a:p>
-              </p:txBody>
-            </p:sp>
-          </p:grpSp>
-          <p:cxnSp>
-            <p:nvCxnSpPr>
-              <p:cNvPr id="33" name="Straight Connector 32">
-                <a:extLst>
-                  <a:ext uri="{FF2B5EF4-FFF2-40B4-BE49-F238E27FC236}">
-                    <a16:creationId xmlns:a16="http://schemas.microsoft.com/office/drawing/2014/main" id="{7EDDEC1E-BA7D-9D48-A1DB-2EB1BF72AC4F}"/>
-                  </a:ext>
-                </a:extLst>
-              </p:cNvPr>
-              <p:cNvCxnSpPr>
-                <a:cxnSpLocks/>
-                <a:stCxn id="34" idx="0"/>
-                <a:endCxn id="35" idx="0"/>
-              </p:cNvCxnSpPr>
-              <p:nvPr/>
-            </p:nvCxnSpPr>
-            <p:spPr>
-              <a:xfrm flipH="1" flipV="1">
-                <a:off x="1407730" y="1581808"/>
-                <a:ext cx="2" cy="227273"/>
-              </a:xfrm>
-              <a:prstGeom prst="line">
-                <a:avLst/>
-              </a:prstGeom>
-              <a:ln>
-                <a:solidFill>
-                  <a:schemeClr val="tx1">
-                    <a:lumMod val="95000"/>
-                    <a:lumOff val="5000"/>
-                  </a:schemeClr>
-                </a:solidFill>
-              </a:ln>
-              <a:effectLst/>
-            </p:spPr>
-            <p:style>
-              <a:lnRef idx="2">
-                <a:schemeClr val="accent1"/>
-              </a:lnRef>
-              <a:fillRef idx="0">
-                <a:schemeClr val="accent1"/>
-              </a:fillRef>
-              <a:effectRef idx="1">
-                <a:schemeClr val="accent1"/>
-              </a:effectRef>
-              <a:fontRef idx="minor">
-                <a:schemeClr val="tx1"/>
-              </a:fontRef>
-            </p:style>
-          </p:cxnSp>
-          <p:sp>
-            <p:nvSpPr>
-              <p:cNvPr id="35" name="Oval 34">
-                <a:extLst>
-                  <a:ext uri="{FF2B5EF4-FFF2-40B4-BE49-F238E27FC236}">
-                    <a16:creationId xmlns:a16="http://schemas.microsoft.com/office/drawing/2014/main" id="{91360A8D-7D5D-C14C-866D-720A8863899C}"/>
-                  </a:ext>
-                </a:extLst>
-              </p:cNvPr>
-              <p:cNvSpPr/>
-              <p:nvPr/>
-            </p:nvSpPr>
-            <p:spPr>
-              <a:xfrm rot="10800000">
-                <a:off x="1332685" y="1443262"/>
-                <a:ext cx="150091" cy="138546"/>
-              </a:xfrm>
-              <a:prstGeom prst="ellipse">
-                <a:avLst/>
-              </a:prstGeom>
-              <a:solidFill>
-                <a:schemeClr val="tx1"/>
-              </a:solidFill>
-              <a:ln>
-                <a:solidFill>
-                  <a:srgbClr val="0D0D0D"/>
-                </a:solidFill>
-              </a:ln>
-              <a:effectLst/>
-            </p:spPr>
-            <p:style>
-              <a:lnRef idx="1">
-                <a:schemeClr val="accent1"/>
-              </a:lnRef>
-              <a:fillRef idx="3">
-                <a:schemeClr val="accent1"/>
-              </a:fillRef>
-              <a:effectRef idx="2">
-                <a:schemeClr val="accent1"/>
-              </a:effectRef>
-              <a:fontRef idx="minor">
-                <a:schemeClr val="lt1"/>
-              </a:fontRef>
-            </p:style>
-            <p:txBody>
-              <a:bodyPr rtlCol="0" anchor="ctr"/>
-              <a:lstStyle/>
-              <a:p>
-                <a:pPr algn="ctr"/>
-                <a:endParaRPr lang="en-US"/>
-              </a:p>
-            </p:txBody>
-          </p:sp>
-          <p:cxnSp>
-            <p:nvCxnSpPr>
-              <p:cNvPr id="42" name="Straight Connector 41">
-                <a:extLst>
-                  <a:ext uri="{FF2B5EF4-FFF2-40B4-BE49-F238E27FC236}">
-                    <a16:creationId xmlns:a16="http://schemas.microsoft.com/office/drawing/2014/main" id="{94C6CDF2-87BD-DF4A-9ED7-D68EF9F50616}"/>
-                  </a:ext>
-                </a:extLst>
-              </p:cNvPr>
-              <p:cNvCxnSpPr>
-                <a:cxnSpLocks/>
-                <a:stCxn id="22" idx="0"/>
-                <a:endCxn id="44" idx="0"/>
-              </p:cNvCxnSpPr>
-              <p:nvPr/>
-            </p:nvCxnSpPr>
-            <p:spPr>
-              <a:xfrm flipV="1">
-                <a:off x="2151156" y="1597774"/>
-                <a:ext cx="2776" cy="211307"/>
-              </a:xfrm>
-              <a:prstGeom prst="line">
-                <a:avLst/>
-              </a:prstGeom>
-              <a:ln>
-                <a:solidFill>
-                  <a:schemeClr val="tx1">
-                    <a:lumMod val="95000"/>
-                    <a:lumOff val="5000"/>
-                  </a:schemeClr>
-                </a:solidFill>
-              </a:ln>
-              <a:effectLst/>
-            </p:spPr>
-            <p:style>
-              <a:lnRef idx="2">
-                <a:schemeClr val="accent1"/>
-              </a:lnRef>
-              <a:fillRef idx="0">
-                <a:schemeClr val="accent1"/>
-              </a:fillRef>
-              <a:effectRef idx="1">
-                <a:schemeClr val="accent1"/>
-              </a:effectRef>
-              <a:fontRef idx="minor">
-                <a:schemeClr val="tx1"/>
-              </a:fontRef>
-            </p:style>
-          </p:cxnSp>
-          <p:sp>
-            <p:nvSpPr>
-              <p:cNvPr id="44" name="Oval 43">
-                <a:extLst>
-                  <a:ext uri="{FF2B5EF4-FFF2-40B4-BE49-F238E27FC236}">
-                    <a16:creationId xmlns:a16="http://schemas.microsoft.com/office/drawing/2014/main" id="{AE3C9A00-B1D5-C144-A13B-5F9B7174C977}"/>
-                  </a:ext>
-                </a:extLst>
-              </p:cNvPr>
-              <p:cNvSpPr/>
-              <p:nvPr/>
-            </p:nvSpPr>
-            <p:spPr>
-              <a:xfrm rot="10800000">
-                <a:off x="2078887" y="1459228"/>
-                <a:ext cx="150091" cy="138546"/>
-              </a:xfrm>
-              <a:prstGeom prst="ellipse">
-                <a:avLst/>
-              </a:prstGeom>
-              <a:solidFill>
-                <a:schemeClr val="tx1"/>
-              </a:solidFill>
-              <a:ln>
-                <a:solidFill>
-                  <a:srgbClr val="0D0D0D"/>
-                </a:solidFill>
-              </a:ln>
-              <a:effectLst/>
-            </p:spPr>
-            <p:style>
-              <a:lnRef idx="1">
-                <a:schemeClr val="accent1"/>
-              </a:lnRef>
-              <a:fillRef idx="3">
-                <a:schemeClr val="accent1"/>
-              </a:fillRef>
-              <a:effectRef idx="2">
-                <a:schemeClr val="accent1"/>
-              </a:effectRef>
-              <a:fontRef idx="minor">
-                <a:schemeClr val="lt1"/>
-              </a:fontRef>
-            </p:style>
-            <p:txBody>
-              <a:bodyPr rtlCol="0" anchor="ctr"/>
-              <a:lstStyle/>
-              <a:p>
-                <a:pPr algn="ctr"/>
-                <a:endParaRPr lang="en-US"/>
-              </a:p>
-            </p:txBody>
-          </p:sp>
-          <p:cxnSp>
-            <p:nvCxnSpPr>
-              <p:cNvPr id="48" name="Straight Connector 47">
-                <a:extLst>
-                  <a:ext uri="{FF2B5EF4-FFF2-40B4-BE49-F238E27FC236}">
-                    <a16:creationId xmlns:a16="http://schemas.microsoft.com/office/drawing/2014/main" id="{D2842819-CA88-3F4A-A919-8B110D566AC5}"/>
-                  </a:ext>
-                </a:extLst>
-              </p:cNvPr>
-              <p:cNvCxnSpPr>
-                <a:cxnSpLocks/>
-                <a:stCxn id="24" idx="0"/>
-                <a:endCxn id="50" idx="0"/>
-              </p:cNvCxnSpPr>
-              <p:nvPr/>
-            </p:nvCxnSpPr>
-            <p:spPr>
-              <a:xfrm flipH="1" flipV="1">
-                <a:off x="3383405" y="1581808"/>
-                <a:ext cx="1" cy="227274"/>
-              </a:xfrm>
-              <a:prstGeom prst="line">
-                <a:avLst/>
-              </a:prstGeom>
-              <a:ln>
-                <a:solidFill>
-                  <a:schemeClr val="tx1">
-                    <a:lumMod val="95000"/>
-                    <a:lumOff val="5000"/>
-                  </a:schemeClr>
-                </a:solidFill>
-              </a:ln>
-              <a:effectLst/>
-            </p:spPr>
-            <p:style>
-              <a:lnRef idx="2">
-                <a:schemeClr val="accent1"/>
-              </a:lnRef>
-              <a:fillRef idx="0">
-                <a:schemeClr val="accent1"/>
-              </a:fillRef>
-              <a:effectRef idx="1">
-                <a:schemeClr val="accent1"/>
-              </a:effectRef>
-              <a:fontRef idx="minor">
-                <a:schemeClr val="tx1"/>
-              </a:fontRef>
-            </p:style>
-          </p:cxnSp>
-          <p:sp>
-            <p:nvSpPr>
-              <p:cNvPr id="50" name="Oval 49">
-                <a:extLst>
-                  <a:ext uri="{FF2B5EF4-FFF2-40B4-BE49-F238E27FC236}">
-                    <a16:creationId xmlns:a16="http://schemas.microsoft.com/office/drawing/2014/main" id="{009F988D-F474-6D49-9F32-DC8CD5F8F028}"/>
-                  </a:ext>
-                </a:extLst>
-              </p:cNvPr>
-              <p:cNvSpPr/>
-              <p:nvPr/>
-            </p:nvSpPr>
-            <p:spPr>
-              <a:xfrm rot="10800000">
-                <a:off x="3308360" y="1443262"/>
-                <a:ext cx="150091" cy="138546"/>
-              </a:xfrm>
-              <a:prstGeom prst="ellipse">
-                <a:avLst/>
-              </a:prstGeom>
-              <a:solidFill>
-                <a:schemeClr val="tx1"/>
-              </a:solidFill>
-              <a:ln>
-                <a:solidFill>
-                  <a:srgbClr val="0D0D0D"/>
-                </a:solidFill>
-              </a:ln>
-              <a:effectLst/>
-            </p:spPr>
-            <p:style>
-              <a:lnRef idx="1">
-                <a:schemeClr val="accent1"/>
-              </a:lnRef>
-              <a:fillRef idx="3">
-                <a:schemeClr val="accent1"/>
-              </a:fillRef>
-              <a:effectRef idx="2">
-                <a:schemeClr val="accent1"/>
-              </a:effectRef>
-              <a:fontRef idx="minor">
-                <a:schemeClr val="lt1"/>
-              </a:fontRef>
-            </p:style>
-            <p:txBody>
-              <a:bodyPr rtlCol="0" anchor="ctr"/>
-              <a:lstStyle/>
-              <a:p>
-                <a:pPr algn="ctr"/>
-                <a:endParaRPr lang="en-US"/>
-              </a:p>
-            </p:txBody>
-          </p:sp>
-        </p:grpSp>
-        <p:grpSp>
-          <p:nvGrpSpPr>
-            <p:cNvPr id="86" name="Group 85">
-              <a:extLst>
-                <a:ext uri="{FF2B5EF4-FFF2-40B4-BE49-F238E27FC236}">
-                  <a16:creationId xmlns:a16="http://schemas.microsoft.com/office/drawing/2014/main" id="{6B9722C4-E88E-E045-904D-165738FAA340}"/>
-                </a:ext>
-              </a:extLst>
-            </p:cNvPr>
-            <p:cNvGrpSpPr/>
-            <p:nvPr/>
-          </p:nvGrpSpPr>
-          <p:grpSpPr>
-            <a:xfrm>
-              <a:off x="4364938" y="1443262"/>
-              <a:ext cx="2957208" cy="3868040"/>
-              <a:chOff x="924129" y="1443262"/>
-              <a:chExt cx="2957208" cy="3868040"/>
-            </a:xfrm>
-          </p:grpSpPr>
-          <p:sp>
-            <p:nvSpPr>
-              <p:cNvPr id="87" name="Rounded Rectangle 86">
-                <a:extLst>
-                  <a:ext uri="{FF2B5EF4-FFF2-40B4-BE49-F238E27FC236}">
-                    <a16:creationId xmlns:a16="http://schemas.microsoft.com/office/drawing/2014/main" id="{C5FA463B-8A06-DE43-98DD-0BF28644EBEA}"/>
-                  </a:ext>
-                </a:extLst>
-              </p:cNvPr>
-              <p:cNvSpPr/>
-              <p:nvPr/>
-            </p:nvSpPr>
-            <p:spPr>
-              <a:xfrm>
-                <a:off x="924129" y="1720354"/>
-                <a:ext cx="2957208" cy="3255738"/>
-              </a:xfrm>
-              <a:prstGeom prst="roundRect">
-                <a:avLst>
-                  <a:gd name="adj" fmla="val 1990"/>
-                </a:avLst>
-              </a:prstGeom>
-              <a:solidFill>
-                <a:schemeClr val="bg1">
-                  <a:lumMod val="85000"/>
+                  <a:lumMod val="95000"/>
                 </a:schemeClr>
               </a:solidFill>
               <a:ln w="38100">
@@ -4539,126 +3774,827 @@
               <a:p>
                 <a:pPr algn="r" defTabSz="914400" eaLnBrk="0" hangingPunct="0"/>
                 <a:r>
-                  <a:rPr lang="en-US" sz="1400" b="1" kern="0" dirty="0" err="1">
+                  <a:rPr lang="en-US" sz="1400" b="1" kern="0" dirty="0">
                     <a:solidFill>
                       <a:sysClr val="windowText" lastClr="000000"/>
                     </a:solidFill>
                     <a:latin typeface="Arial"/>
                     <a:cs typeface="Arial"/>
                   </a:rPr>
-                  <a:t>Node</a:t>
+                  <a:t>Service Pool</a:t>
                 </a:r>
-                <a:r>
-                  <a:rPr lang="en-US" sz="1400" b="1" kern="0" baseline="-25000" dirty="0" err="1">
-                    <a:solidFill>
-                      <a:sysClr val="windowText" lastClr="000000"/>
-                    </a:solidFill>
-                    <a:latin typeface="Arial"/>
-                    <a:cs typeface="Arial"/>
-                  </a:rPr>
-                  <a:t>j</a:t>
-                </a:r>
-                <a:endParaRPr lang="en-US" sz="1400" b="1" kern="0" baseline="-25000" dirty="0">
-                  <a:solidFill>
-                    <a:sysClr val="windowText" lastClr="000000"/>
-                  </a:solidFill>
-                  <a:latin typeface="Arial"/>
-                  <a:cs typeface="Arial"/>
-                </a:endParaRPr>
               </a:p>
             </p:txBody>
           </p:sp>
-          <p:cxnSp>
-            <p:nvCxnSpPr>
-              <p:cNvPr id="88" name="Straight Arrow Connector 87">
-                <a:extLst>
-                  <a:ext uri="{FF2B5EF4-FFF2-40B4-BE49-F238E27FC236}">
-                    <a16:creationId xmlns:a16="http://schemas.microsoft.com/office/drawing/2014/main" id="{9575CCC3-239B-A746-973E-CB153C073414}"/>
-                  </a:ext>
-                </a:extLst>
-              </p:cNvPr>
-              <p:cNvCxnSpPr>
-                <a:cxnSpLocks/>
-                <a:endCxn id="87" idx="2"/>
-              </p:cNvCxnSpPr>
+          <p:sp>
+            <p:nvSpPr>
+              <p:cNvPr id="34" name="AutoShape 201"/>
+              <p:cNvSpPr>
+                <a:spLocks noChangeArrowheads="1"/>
+              </p:cNvSpPr>
               <p:nvPr/>
-            </p:nvCxnSpPr>
-            <p:spPr>
-              <a:xfrm flipV="1">
-                <a:off x="2402733" y="4976092"/>
-                <a:ext cx="0" cy="335210"/>
+            </p:nvSpPr>
+            <p:spPr bwMode="auto">
+              <a:xfrm>
+                <a:off x="1142311" y="1332424"/>
+                <a:ext cx="686489" cy="620793"/>
               </a:xfrm>
-              <a:prstGeom prst="straightConnector1">
-                <a:avLst/>
+              <a:prstGeom prst="roundRect">
+                <a:avLst>
+                  <a:gd name="adj" fmla="val 4635"/>
+                </a:avLst>
               </a:prstGeom>
               <a:ln>
-                <a:headEnd type="arrow"/>
-                <a:tailEnd type="arrow"/>
+                <a:headEnd/>
+                <a:tailEnd/>
               </a:ln>
             </p:spPr>
             <p:style>
               <a:lnRef idx="2">
                 <a:schemeClr val="dk1"/>
               </a:lnRef>
-              <a:fillRef idx="0">
-                <a:schemeClr val="dk1"/>
+              <a:fillRef idx="1">
+                <a:schemeClr val="lt1"/>
               </a:fillRef>
-              <a:effectRef idx="1">
+              <a:effectRef idx="0">
                 <a:schemeClr val="dk1"/>
               </a:effectRef>
               <a:fontRef idx="minor">
-                <a:schemeClr val="tx1"/>
+                <a:schemeClr val="dk1"/>
               </a:fontRef>
             </p:style>
-          </p:cxnSp>
-          <p:cxnSp>
-            <p:nvCxnSpPr>
-              <p:cNvPr id="90" name="Straight Arrow Connector 89">
+            <p:txBody>
+              <a:bodyPr wrap="none" anchor="ctr"/>
+              <a:lstStyle/>
+              <a:p>
+                <a:pPr marL="0" marR="0" lvl="0" indent="0" algn="ctr" defTabSz="914400" eaLnBrk="0" fontAlgn="auto" latinLnBrk="0" hangingPunct="0">
+                  <a:lnSpc>
+                    <a:spcPct val="100000"/>
+                  </a:lnSpc>
+                  <a:spcBef>
+                    <a:spcPts val="0"/>
+                  </a:spcBef>
+                  <a:spcAft>
+                    <a:spcPts val="0"/>
+                  </a:spcAft>
+                  <a:buClrTx/>
+                  <a:buSzTx/>
+                  <a:buFontTx/>
+                  <a:buNone/>
+                  <a:tabLst/>
+                  <a:defRPr/>
+                </a:pPr>
+                <a:r>
+                  <a:rPr kumimoji="0" lang="en-US" sz="1400" b="1" i="1" u="none" strike="noStrike" kern="0" cap="none" spc="0" normalizeH="0" baseline="0" noProof="0" dirty="0">
+                    <a:ln>
+                      <a:noFill/>
+                    </a:ln>
+                    <a:solidFill>
+                      <a:schemeClr val="tx1"/>
+                    </a:solidFill>
+                    <a:uLnTx/>
+                    <a:uFillTx/>
+                    <a:latin typeface="Arial"/>
+                    <a:cs typeface="Arial"/>
+                  </a:rPr>
+                  <a:t>S</a:t>
+                </a:r>
+                <a:r>
+                  <a:rPr kumimoji="0" lang="en-US" sz="1400" b="1" i="1" u="none" strike="noStrike" kern="0" cap="none" spc="0" normalizeH="0" baseline="-25000" noProof="0" dirty="0">
+                    <a:ln>
+                      <a:noFill/>
+                    </a:ln>
+                    <a:solidFill>
+                      <a:schemeClr val="tx1"/>
+                    </a:solidFill>
+                    <a:uLnTx/>
+                    <a:uFillTx/>
+                    <a:latin typeface="Arial"/>
+                    <a:cs typeface="Arial"/>
+                  </a:rPr>
+                  <a:t>1</a:t>
+                </a:r>
+              </a:p>
+            </p:txBody>
+          </p:sp>
+          <p:sp>
+            <p:nvSpPr>
+              <p:cNvPr id="22" name="AutoShape 201">
                 <a:extLst>
                   <a:ext uri="{FF2B5EF4-FFF2-40B4-BE49-F238E27FC236}">
-                    <a16:creationId xmlns:a16="http://schemas.microsoft.com/office/drawing/2014/main" id="{354A3FDE-D711-0B49-B2E7-29BD39268BAF}"/>
+                    <a16:creationId xmlns:a16="http://schemas.microsoft.com/office/drawing/2014/main" id="{06CBB468-D183-6944-A077-3DA5C927059E}"/>
                   </a:ext>
                 </a:extLst>
               </p:cNvPr>
-              <p:cNvCxnSpPr>
-                <a:cxnSpLocks/>
-                <a:stCxn id="91" idx="0"/>
-              </p:cNvCxnSpPr>
+              <p:cNvSpPr>
+                <a:spLocks noChangeArrowheads="1"/>
+              </p:cNvSpPr>
               <p:nvPr/>
-            </p:nvCxnSpPr>
-            <p:spPr>
-              <a:xfrm flipV="1">
-                <a:off x="1954646" y="2772665"/>
-                <a:ext cx="0" cy="242383"/>
+            </p:nvSpPr>
+            <p:spPr bwMode="auto">
+              <a:xfrm>
+                <a:off x="1885534" y="1332424"/>
+                <a:ext cx="686891" cy="620793"/>
               </a:xfrm>
-              <a:prstGeom prst="straightConnector1">
-                <a:avLst/>
+              <a:prstGeom prst="roundRect">
+                <a:avLst>
+                  <a:gd name="adj" fmla="val 4635"/>
+                </a:avLst>
               </a:prstGeom>
               <a:ln>
-                <a:tailEnd type="arrow"/>
+                <a:headEnd/>
+                <a:tailEnd/>
               </a:ln>
             </p:spPr>
             <p:style>
               <a:lnRef idx="2">
                 <a:schemeClr val="dk1"/>
               </a:lnRef>
-              <a:fillRef idx="0">
-                <a:schemeClr val="dk1"/>
+              <a:fillRef idx="1">
+                <a:schemeClr val="lt1"/>
               </a:fillRef>
-              <a:effectRef idx="1">
+              <a:effectRef idx="0">
                 <a:schemeClr val="dk1"/>
               </a:effectRef>
               <a:fontRef idx="minor">
-                <a:schemeClr val="tx1"/>
+                <a:schemeClr val="dk1"/>
               </a:fontRef>
             </p:style>
-          </p:cxnSp>
+            <p:txBody>
+              <a:bodyPr wrap="none" anchor="ctr"/>
+              <a:lstStyle/>
+              <a:p>
+                <a:pPr marL="0" marR="0" lvl="0" indent="0" algn="ctr" defTabSz="914400" eaLnBrk="0" fontAlgn="auto" latinLnBrk="0" hangingPunct="0">
+                  <a:lnSpc>
+                    <a:spcPct val="100000"/>
+                  </a:lnSpc>
+                  <a:spcBef>
+                    <a:spcPts val="0"/>
+                  </a:spcBef>
+                  <a:spcAft>
+                    <a:spcPts val="0"/>
+                  </a:spcAft>
+                  <a:buClrTx/>
+                  <a:buSzTx/>
+                  <a:buFontTx/>
+                  <a:buNone/>
+                  <a:tabLst/>
+                  <a:defRPr/>
+                </a:pPr>
+                <a:r>
+                  <a:rPr kumimoji="0" lang="en-US" sz="1400" b="1" i="1" u="none" strike="noStrike" kern="0" cap="none" spc="0" normalizeH="0" baseline="0" noProof="0" dirty="0">
+                    <a:ln>
+                      <a:noFill/>
+                    </a:ln>
+                    <a:solidFill>
+                      <a:schemeClr val="tx1"/>
+                    </a:solidFill>
+                    <a:uLnTx/>
+                    <a:uFillTx/>
+                    <a:latin typeface="Arial"/>
+                    <a:cs typeface="Arial"/>
+                  </a:rPr>
+                  <a:t>S</a:t>
+                </a:r>
+                <a:r>
+                  <a:rPr kumimoji="0" lang="en-US" sz="1400" b="1" i="1" u="none" strike="noStrike" kern="0" cap="none" spc="0" normalizeH="0" baseline="-25000" noProof="0" dirty="0">
+                    <a:ln>
+                      <a:noFill/>
+                    </a:ln>
+                    <a:solidFill>
+                      <a:schemeClr val="tx1"/>
+                    </a:solidFill>
+                    <a:uLnTx/>
+                    <a:uFillTx/>
+                    <a:latin typeface="Arial"/>
+                    <a:cs typeface="Arial"/>
+                  </a:rPr>
+                  <a:t>2</a:t>
+                </a:r>
+              </a:p>
+            </p:txBody>
+          </p:sp>
           <p:sp>
             <p:nvSpPr>
-              <p:cNvPr id="91" name="Rounded Rectangle 90">
+              <p:cNvPr id="24" name="AutoShape 201">
                 <a:extLst>
                   <a:ext uri="{FF2B5EF4-FFF2-40B4-BE49-F238E27FC236}">
-                    <a16:creationId xmlns:a16="http://schemas.microsoft.com/office/drawing/2014/main" id="{D2D5F3BF-3CC3-BA43-8E85-DA43A74BC646}"/>
+                    <a16:creationId xmlns:a16="http://schemas.microsoft.com/office/drawing/2014/main" id="{D0C86036-E0E3-0C40-996F-8A202B5CDF2D}"/>
+                  </a:ext>
+                </a:extLst>
+              </p:cNvPr>
+              <p:cNvSpPr>
+                <a:spLocks noChangeArrowheads="1"/>
+              </p:cNvSpPr>
+              <p:nvPr/>
+            </p:nvSpPr>
+            <p:spPr bwMode="auto">
+              <a:xfrm>
+                <a:off x="3115688" y="1332425"/>
+                <a:ext cx="691084" cy="609746"/>
+              </a:xfrm>
+              <a:prstGeom prst="roundRect">
+                <a:avLst>
+                  <a:gd name="adj" fmla="val 4635"/>
+                </a:avLst>
+              </a:prstGeom>
+              <a:ln>
+                <a:headEnd/>
+                <a:tailEnd/>
+              </a:ln>
+            </p:spPr>
+            <p:style>
+              <a:lnRef idx="2">
+                <a:schemeClr val="dk1"/>
+              </a:lnRef>
+              <a:fillRef idx="1">
+                <a:schemeClr val="lt1"/>
+              </a:fillRef>
+              <a:effectRef idx="0">
+                <a:schemeClr val="dk1"/>
+              </a:effectRef>
+              <a:fontRef idx="minor">
+                <a:schemeClr val="dk1"/>
+              </a:fontRef>
+            </p:style>
+            <p:txBody>
+              <a:bodyPr wrap="none" anchor="ctr"/>
+              <a:lstStyle/>
+              <a:p>
+                <a:pPr marL="0" marR="0" lvl="0" indent="0" algn="ctr" defTabSz="914400" eaLnBrk="0" fontAlgn="auto" latinLnBrk="0" hangingPunct="0">
+                  <a:lnSpc>
+                    <a:spcPct val="100000"/>
+                  </a:lnSpc>
+                  <a:spcBef>
+                    <a:spcPts val="0"/>
+                  </a:spcBef>
+                  <a:spcAft>
+                    <a:spcPts val="0"/>
+                  </a:spcAft>
+                  <a:buClrTx/>
+                  <a:buSzTx/>
+                  <a:buFontTx/>
+                  <a:buNone/>
+                  <a:tabLst/>
+                  <a:defRPr/>
+                </a:pPr>
+                <a:r>
+                  <a:rPr kumimoji="0" lang="en-US" sz="1400" b="1" i="1" u="none" strike="noStrike" kern="0" cap="none" spc="0" normalizeH="0" baseline="0" noProof="0" dirty="0">
+                    <a:ln>
+                      <a:noFill/>
+                    </a:ln>
+                    <a:solidFill>
+                      <a:schemeClr val="tx1"/>
+                    </a:solidFill>
+                    <a:uLnTx/>
+                    <a:uFillTx/>
+                    <a:latin typeface="Arial"/>
+                    <a:cs typeface="Arial"/>
+                  </a:rPr>
+                  <a:t>S</a:t>
+                </a:r>
+                <a:r>
+                  <a:rPr kumimoji="0" lang="en-US" sz="1400" b="1" i="1" u="none" strike="noStrike" kern="0" cap="none" spc="0" normalizeH="0" baseline="-25000" noProof="0" dirty="0">
+                    <a:ln>
+                      <a:noFill/>
+                    </a:ln>
+                    <a:solidFill>
+                      <a:schemeClr val="tx1"/>
+                    </a:solidFill>
+                    <a:uLnTx/>
+                    <a:uFillTx/>
+                    <a:latin typeface="Arial"/>
+                    <a:cs typeface="Arial"/>
+                  </a:rPr>
+                  <a:t>n</a:t>
+                </a:r>
+              </a:p>
+            </p:txBody>
+          </p:sp>
+          <p:sp>
+            <p:nvSpPr>
+              <p:cNvPr id="8" name="TextBox 7">
+                <a:extLst>
+                  <a:ext uri="{FF2B5EF4-FFF2-40B4-BE49-F238E27FC236}">
+                    <a16:creationId xmlns:a16="http://schemas.microsoft.com/office/drawing/2014/main" id="{EFA6A5D4-4609-AB41-8E5E-300AED3E780A}"/>
+                  </a:ext>
+                </a:extLst>
+              </p:cNvPr>
+              <p:cNvSpPr txBox="1"/>
+              <p:nvPr/>
+            </p:nvSpPr>
+            <p:spPr>
+              <a:xfrm>
+                <a:off x="2647290" y="1357395"/>
+                <a:ext cx="468398" cy="584775"/>
+              </a:xfrm>
+              <a:prstGeom prst="rect">
+                <a:avLst/>
+              </a:prstGeom>
+              <a:noFill/>
+            </p:spPr>
+            <p:txBody>
+              <a:bodyPr wrap="none" rtlCol="0" anchor="ctr">
+                <a:spAutoFit/>
+              </a:bodyPr>
+              <a:lstStyle/>
+              <a:p>
+                <a:r>
+                  <a:rPr lang="en-US" sz="3200" dirty="0"/>
+                  <a:t>…</a:t>
+                </a:r>
+              </a:p>
+            </p:txBody>
+          </p:sp>
+        </p:grpSp>
+        <p:cxnSp>
+          <p:nvCxnSpPr>
+            <p:cNvPr id="33" name="Straight Connector 32">
+              <a:extLst>
+                <a:ext uri="{FF2B5EF4-FFF2-40B4-BE49-F238E27FC236}">
+                  <a16:creationId xmlns:a16="http://schemas.microsoft.com/office/drawing/2014/main" id="{7EDDEC1E-BA7D-9D48-A1DB-2EB1BF72AC4F}"/>
+                </a:ext>
+              </a:extLst>
+            </p:cNvPr>
+            <p:cNvCxnSpPr>
+              <a:cxnSpLocks/>
+              <a:stCxn id="34" idx="0"/>
+              <a:endCxn id="35" idx="0"/>
+            </p:cNvCxnSpPr>
+            <p:nvPr/>
+          </p:nvCxnSpPr>
+          <p:spPr>
+            <a:xfrm flipH="1" flipV="1">
+              <a:off x="1407730" y="1581808"/>
+              <a:ext cx="2" cy="227273"/>
+            </a:xfrm>
+            <a:prstGeom prst="line">
+              <a:avLst/>
+            </a:prstGeom>
+            <a:ln>
+              <a:solidFill>
+                <a:schemeClr val="tx1">
+                  <a:lumMod val="95000"/>
+                  <a:lumOff val="5000"/>
+                </a:schemeClr>
+              </a:solidFill>
+            </a:ln>
+            <a:effectLst/>
+          </p:spPr>
+          <p:style>
+            <a:lnRef idx="2">
+              <a:schemeClr val="accent1"/>
+            </a:lnRef>
+            <a:fillRef idx="0">
+              <a:schemeClr val="accent1"/>
+            </a:fillRef>
+            <a:effectRef idx="1">
+              <a:schemeClr val="accent1"/>
+            </a:effectRef>
+            <a:fontRef idx="minor">
+              <a:schemeClr val="tx1"/>
+            </a:fontRef>
+          </p:style>
+        </p:cxnSp>
+        <p:sp>
+          <p:nvSpPr>
+            <p:cNvPr id="35" name="Oval 34">
+              <a:extLst>
+                <a:ext uri="{FF2B5EF4-FFF2-40B4-BE49-F238E27FC236}">
+                  <a16:creationId xmlns:a16="http://schemas.microsoft.com/office/drawing/2014/main" id="{91360A8D-7D5D-C14C-866D-720A8863899C}"/>
+                </a:ext>
+              </a:extLst>
+            </p:cNvPr>
+            <p:cNvSpPr/>
+            <p:nvPr/>
+          </p:nvSpPr>
+          <p:spPr>
+            <a:xfrm rot="10800000">
+              <a:off x="1332685" y="1443262"/>
+              <a:ext cx="150091" cy="138546"/>
+            </a:xfrm>
+            <a:prstGeom prst="ellipse">
+              <a:avLst/>
+            </a:prstGeom>
+            <a:solidFill>
+              <a:schemeClr val="tx1"/>
+            </a:solidFill>
+            <a:ln>
+              <a:solidFill>
+                <a:srgbClr val="0D0D0D"/>
+              </a:solidFill>
+            </a:ln>
+            <a:effectLst/>
+          </p:spPr>
+          <p:style>
+            <a:lnRef idx="1">
+              <a:schemeClr val="accent1"/>
+            </a:lnRef>
+            <a:fillRef idx="3">
+              <a:schemeClr val="accent1"/>
+            </a:fillRef>
+            <a:effectRef idx="2">
+              <a:schemeClr val="accent1"/>
+            </a:effectRef>
+            <a:fontRef idx="minor">
+              <a:schemeClr val="lt1"/>
+            </a:fontRef>
+          </p:style>
+          <p:txBody>
+            <a:bodyPr rtlCol="0" anchor="ctr"/>
+            <a:lstStyle/>
+            <a:p>
+              <a:pPr algn="ctr"/>
+              <a:endParaRPr lang="en-US"/>
+            </a:p>
+          </p:txBody>
+        </p:sp>
+        <p:cxnSp>
+          <p:nvCxnSpPr>
+            <p:cNvPr id="42" name="Straight Connector 41">
+              <a:extLst>
+                <a:ext uri="{FF2B5EF4-FFF2-40B4-BE49-F238E27FC236}">
+                  <a16:creationId xmlns:a16="http://schemas.microsoft.com/office/drawing/2014/main" id="{94C6CDF2-87BD-DF4A-9ED7-D68EF9F50616}"/>
+                </a:ext>
+              </a:extLst>
+            </p:cNvPr>
+            <p:cNvCxnSpPr>
+              <a:cxnSpLocks/>
+              <a:stCxn id="22" idx="0"/>
+              <a:endCxn id="44" idx="0"/>
+            </p:cNvCxnSpPr>
+            <p:nvPr/>
+          </p:nvCxnSpPr>
+          <p:spPr>
+            <a:xfrm flipV="1">
+              <a:off x="2151156" y="1597774"/>
+              <a:ext cx="2776" cy="211307"/>
+            </a:xfrm>
+            <a:prstGeom prst="line">
+              <a:avLst/>
+            </a:prstGeom>
+            <a:ln>
+              <a:solidFill>
+                <a:schemeClr val="tx1">
+                  <a:lumMod val="95000"/>
+                  <a:lumOff val="5000"/>
+                </a:schemeClr>
+              </a:solidFill>
+            </a:ln>
+            <a:effectLst/>
+          </p:spPr>
+          <p:style>
+            <a:lnRef idx="2">
+              <a:schemeClr val="accent1"/>
+            </a:lnRef>
+            <a:fillRef idx="0">
+              <a:schemeClr val="accent1"/>
+            </a:fillRef>
+            <a:effectRef idx="1">
+              <a:schemeClr val="accent1"/>
+            </a:effectRef>
+            <a:fontRef idx="minor">
+              <a:schemeClr val="tx1"/>
+            </a:fontRef>
+          </p:style>
+        </p:cxnSp>
+        <p:sp>
+          <p:nvSpPr>
+            <p:cNvPr id="44" name="Oval 43">
+              <a:extLst>
+                <a:ext uri="{FF2B5EF4-FFF2-40B4-BE49-F238E27FC236}">
+                  <a16:creationId xmlns:a16="http://schemas.microsoft.com/office/drawing/2014/main" id="{AE3C9A00-B1D5-C144-A13B-5F9B7174C977}"/>
+                </a:ext>
+              </a:extLst>
+            </p:cNvPr>
+            <p:cNvSpPr/>
+            <p:nvPr/>
+          </p:nvSpPr>
+          <p:spPr>
+            <a:xfrm rot="10800000">
+              <a:off x="2078887" y="1459228"/>
+              <a:ext cx="150091" cy="138546"/>
+            </a:xfrm>
+            <a:prstGeom prst="ellipse">
+              <a:avLst/>
+            </a:prstGeom>
+            <a:solidFill>
+              <a:schemeClr val="tx1"/>
+            </a:solidFill>
+            <a:ln>
+              <a:solidFill>
+                <a:srgbClr val="0D0D0D"/>
+              </a:solidFill>
+            </a:ln>
+            <a:effectLst/>
+          </p:spPr>
+          <p:style>
+            <a:lnRef idx="1">
+              <a:schemeClr val="accent1"/>
+            </a:lnRef>
+            <a:fillRef idx="3">
+              <a:schemeClr val="accent1"/>
+            </a:fillRef>
+            <a:effectRef idx="2">
+              <a:schemeClr val="accent1"/>
+            </a:effectRef>
+            <a:fontRef idx="minor">
+              <a:schemeClr val="lt1"/>
+            </a:fontRef>
+          </p:style>
+          <p:txBody>
+            <a:bodyPr rtlCol="0" anchor="ctr"/>
+            <a:lstStyle/>
+            <a:p>
+              <a:pPr algn="ctr"/>
+              <a:endParaRPr lang="en-US"/>
+            </a:p>
+          </p:txBody>
+        </p:sp>
+        <p:cxnSp>
+          <p:nvCxnSpPr>
+            <p:cNvPr id="48" name="Straight Connector 47">
+              <a:extLst>
+                <a:ext uri="{FF2B5EF4-FFF2-40B4-BE49-F238E27FC236}">
+                  <a16:creationId xmlns:a16="http://schemas.microsoft.com/office/drawing/2014/main" id="{D2842819-CA88-3F4A-A919-8B110D566AC5}"/>
+                </a:ext>
+              </a:extLst>
+            </p:cNvPr>
+            <p:cNvCxnSpPr>
+              <a:cxnSpLocks/>
+              <a:stCxn id="24" idx="0"/>
+              <a:endCxn id="50" idx="0"/>
+            </p:cNvCxnSpPr>
+            <p:nvPr/>
+          </p:nvCxnSpPr>
+          <p:spPr>
+            <a:xfrm flipH="1" flipV="1">
+              <a:off x="3383405" y="1581808"/>
+              <a:ext cx="1" cy="227274"/>
+            </a:xfrm>
+            <a:prstGeom prst="line">
+              <a:avLst/>
+            </a:prstGeom>
+            <a:ln>
+              <a:solidFill>
+                <a:schemeClr val="tx1">
+                  <a:lumMod val="95000"/>
+                  <a:lumOff val="5000"/>
+                </a:schemeClr>
+              </a:solidFill>
+            </a:ln>
+            <a:effectLst/>
+          </p:spPr>
+          <p:style>
+            <a:lnRef idx="2">
+              <a:schemeClr val="accent1"/>
+            </a:lnRef>
+            <a:fillRef idx="0">
+              <a:schemeClr val="accent1"/>
+            </a:fillRef>
+            <a:effectRef idx="1">
+              <a:schemeClr val="accent1"/>
+            </a:effectRef>
+            <a:fontRef idx="minor">
+              <a:schemeClr val="tx1"/>
+            </a:fontRef>
+          </p:style>
+        </p:cxnSp>
+        <p:sp>
+          <p:nvSpPr>
+            <p:cNvPr id="50" name="Oval 49">
+              <a:extLst>
+                <a:ext uri="{FF2B5EF4-FFF2-40B4-BE49-F238E27FC236}">
+                  <a16:creationId xmlns:a16="http://schemas.microsoft.com/office/drawing/2014/main" id="{009F988D-F474-6D49-9F32-DC8CD5F8F028}"/>
+                </a:ext>
+              </a:extLst>
+            </p:cNvPr>
+            <p:cNvSpPr/>
+            <p:nvPr/>
+          </p:nvSpPr>
+          <p:spPr>
+            <a:xfrm rot="10800000">
+              <a:off x="3308360" y="1443262"/>
+              <a:ext cx="150091" cy="138546"/>
+            </a:xfrm>
+            <a:prstGeom prst="ellipse">
+              <a:avLst/>
+            </a:prstGeom>
+            <a:solidFill>
+              <a:schemeClr val="tx1"/>
+            </a:solidFill>
+            <a:ln>
+              <a:solidFill>
+                <a:srgbClr val="0D0D0D"/>
+              </a:solidFill>
+            </a:ln>
+            <a:effectLst/>
+          </p:spPr>
+          <p:style>
+            <a:lnRef idx="1">
+              <a:schemeClr val="accent1"/>
+            </a:lnRef>
+            <a:fillRef idx="3">
+              <a:schemeClr val="accent1"/>
+            </a:fillRef>
+            <a:effectRef idx="2">
+              <a:schemeClr val="accent1"/>
+            </a:effectRef>
+            <a:fontRef idx="minor">
+              <a:schemeClr val="lt1"/>
+            </a:fontRef>
+          </p:style>
+          <p:txBody>
+            <a:bodyPr rtlCol="0" anchor="ctr"/>
+            <a:lstStyle/>
+            <a:p>
+              <a:pPr algn="ctr"/>
+              <a:endParaRPr lang="en-US"/>
+            </a:p>
+          </p:txBody>
+        </p:sp>
+        <p:sp>
+          <p:nvSpPr>
+            <p:cNvPr id="87" name="Rounded Rectangle 86">
+              <a:extLst>
+                <a:ext uri="{FF2B5EF4-FFF2-40B4-BE49-F238E27FC236}">
+                  <a16:creationId xmlns:a16="http://schemas.microsoft.com/office/drawing/2014/main" id="{C5FA463B-8A06-DE43-98DD-0BF28644EBEA}"/>
+                </a:ext>
+              </a:extLst>
+            </p:cNvPr>
+            <p:cNvSpPr/>
+            <p:nvPr/>
+          </p:nvSpPr>
+          <p:spPr>
+            <a:xfrm>
+              <a:off x="4364938" y="1720354"/>
+              <a:ext cx="2957208" cy="3162931"/>
+            </a:xfrm>
+            <a:prstGeom prst="roundRect">
+              <a:avLst>
+                <a:gd name="adj" fmla="val 1990"/>
+              </a:avLst>
+            </a:prstGeom>
+            <a:solidFill>
+              <a:schemeClr val="bg1">
+                <a:lumMod val="85000"/>
+              </a:schemeClr>
+            </a:solidFill>
+            <a:ln w="38100">
+              <a:noFill/>
+              <a:round/>
+              <a:headEnd/>
+              <a:tailEnd/>
+            </a:ln>
+          </p:spPr>
+          <p:txBody>
+            <a:bodyPr wrap="none" anchor="b"/>
+            <a:lstStyle/>
+            <a:p>
+              <a:pPr algn="r" defTabSz="914400" eaLnBrk="0" hangingPunct="0"/>
+              <a:r>
+                <a:rPr lang="en-US" sz="1400" b="1" kern="0" dirty="0" err="1">
+                  <a:solidFill>
+                    <a:sysClr val="windowText" lastClr="000000"/>
+                  </a:solidFill>
+                  <a:latin typeface="Arial"/>
+                  <a:cs typeface="Arial"/>
+                </a:rPr>
+                <a:t>Node</a:t>
+              </a:r>
+              <a:r>
+                <a:rPr lang="en-US" sz="1400" b="1" kern="0" baseline="-25000" dirty="0" err="1">
+                  <a:solidFill>
+                    <a:sysClr val="windowText" lastClr="000000"/>
+                  </a:solidFill>
+                  <a:latin typeface="Arial"/>
+                  <a:cs typeface="Arial"/>
+                </a:rPr>
+                <a:t>j</a:t>
+              </a:r>
+              <a:endParaRPr lang="en-US" sz="1400" b="1" kern="0" baseline="-25000" dirty="0">
+                <a:solidFill>
+                  <a:sysClr val="windowText" lastClr="000000"/>
+                </a:solidFill>
+                <a:latin typeface="Arial"/>
+                <a:cs typeface="Arial"/>
+              </a:endParaRPr>
+            </a:p>
+          </p:txBody>
+        </p:sp>
+        <p:cxnSp>
+          <p:nvCxnSpPr>
+            <p:cNvPr id="88" name="Straight Arrow Connector 87">
+              <a:extLst>
+                <a:ext uri="{FF2B5EF4-FFF2-40B4-BE49-F238E27FC236}">
+                  <a16:creationId xmlns:a16="http://schemas.microsoft.com/office/drawing/2014/main" id="{9575CCC3-239B-A746-973E-CB153C073414}"/>
+                </a:ext>
+              </a:extLst>
+            </p:cNvPr>
+            <p:cNvCxnSpPr>
+              <a:cxnSpLocks/>
+              <a:endCxn id="87" idx="2"/>
+            </p:cNvCxnSpPr>
+            <p:nvPr/>
+          </p:nvCxnSpPr>
+          <p:spPr>
+            <a:xfrm flipV="1">
+              <a:off x="5843542" y="4883285"/>
+              <a:ext cx="0" cy="428018"/>
+            </a:xfrm>
+            <a:prstGeom prst="straightConnector1">
+              <a:avLst/>
+            </a:prstGeom>
+            <a:ln>
+              <a:headEnd type="arrow"/>
+              <a:tailEnd type="arrow"/>
+            </a:ln>
+            <a:effectLst/>
+          </p:spPr>
+          <p:style>
+            <a:lnRef idx="2">
+              <a:schemeClr val="dk1"/>
+            </a:lnRef>
+            <a:fillRef idx="0">
+              <a:schemeClr val="dk1"/>
+            </a:fillRef>
+            <a:effectRef idx="1">
+              <a:schemeClr val="dk1"/>
+            </a:effectRef>
+            <a:fontRef idx="minor">
+              <a:schemeClr val="tx1"/>
+            </a:fontRef>
+          </p:style>
+        </p:cxnSp>
+        <p:cxnSp>
+          <p:nvCxnSpPr>
+            <p:cNvPr id="90" name="Straight Arrow Connector 89">
+              <a:extLst>
+                <a:ext uri="{FF2B5EF4-FFF2-40B4-BE49-F238E27FC236}">
+                  <a16:creationId xmlns:a16="http://schemas.microsoft.com/office/drawing/2014/main" id="{354A3FDE-D711-0B49-B2E7-29BD39268BAF}"/>
+                </a:ext>
+              </a:extLst>
+            </p:cNvPr>
+            <p:cNvCxnSpPr>
+              <a:cxnSpLocks/>
+              <a:stCxn id="51" idx="0"/>
+            </p:cNvCxnSpPr>
+            <p:nvPr/>
+          </p:nvCxnSpPr>
+          <p:spPr>
+            <a:xfrm flipV="1">
+              <a:off x="5145383" y="2772665"/>
+              <a:ext cx="0" cy="248993"/>
+            </a:xfrm>
+            <a:prstGeom prst="straightConnector1">
+              <a:avLst/>
+            </a:prstGeom>
+            <a:ln>
+              <a:tailEnd type="arrow"/>
+            </a:ln>
+            <a:effectLst/>
+          </p:spPr>
+          <p:style>
+            <a:lnRef idx="2">
+              <a:schemeClr val="dk1"/>
+            </a:lnRef>
+            <a:fillRef idx="0">
+              <a:schemeClr val="dk1"/>
+            </a:fillRef>
+            <a:effectRef idx="1">
+              <a:schemeClr val="dk1"/>
+            </a:effectRef>
+            <a:fontRef idx="minor">
+              <a:schemeClr val="tx1"/>
+            </a:fontRef>
+          </p:style>
+        </p:cxnSp>
+        <p:grpSp>
+          <p:nvGrpSpPr>
+            <p:cNvPr id="94" name="Group 93">
+              <a:extLst>
+                <a:ext uri="{FF2B5EF4-FFF2-40B4-BE49-F238E27FC236}">
+                  <a16:creationId xmlns:a16="http://schemas.microsoft.com/office/drawing/2014/main" id="{839EB496-0CF1-AC4C-B860-A3E0B1966C9B}"/>
+                </a:ext>
+              </a:extLst>
+            </p:cNvPr>
+            <p:cNvGrpSpPr/>
+            <p:nvPr/>
+          </p:nvGrpSpPr>
+          <p:grpSpPr>
+            <a:xfrm>
+              <a:off x="4433028" y="1760708"/>
+              <a:ext cx="2830750" cy="1011957"/>
+              <a:chOff x="1070043" y="1284051"/>
+              <a:chExt cx="2830750" cy="1011957"/>
+            </a:xfrm>
+          </p:grpSpPr>
+          <p:sp>
+            <p:nvSpPr>
+              <p:cNvPr id="101" name="Rounded Rectangle 100">
+                <a:extLst>
+                  <a:ext uri="{FF2B5EF4-FFF2-40B4-BE49-F238E27FC236}">
+                    <a16:creationId xmlns:a16="http://schemas.microsoft.com/office/drawing/2014/main" id="{439DB12D-49A2-8541-9F26-A89AC35773F6}"/>
                   </a:ext>
                 </a:extLst>
               </p:cNvPr>
@@ -4667,869 +4603,987 @@
             </p:nvSpPr>
             <p:spPr>
               <a:xfrm>
-                <a:off x="1242291" y="3015048"/>
-                <a:ext cx="1424710" cy="629240"/>
+                <a:off x="1070043" y="1284051"/>
+                <a:ext cx="2830750" cy="1011957"/>
               </a:xfrm>
               <a:prstGeom prst="roundRect">
-                <a:avLst/>
+                <a:avLst>
+                  <a:gd name="adj" fmla="val 6990"/>
+                </a:avLst>
               </a:prstGeom>
               <a:solidFill>
-                <a:schemeClr val="accent1">
-                  <a:lumMod val="40000"/>
-                  <a:lumOff val="60000"/>
+                <a:schemeClr val="bg1">
+                  <a:lumMod val="95000"/>
                 </a:schemeClr>
               </a:solidFill>
+              <a:ln w="38100">
+                <a:noFill/>
+                <a:round/>
+                <a:headEnd/>
+                <a:tailEnd/>
+              </a:ln>
             </p:spPr>
-            <p:style>
-              <a:lnRef idx="3">
-                <a:schemeClr val="lt1"/>
-              </a:lnRef>
-              <a:fillRef idx="1">
-                <a:schemeClr val="accent1"/>
-              </a:fillRef>
-              <a:effectRef idx="1">
-                <a:schemeClr val="accent1"/>
-              </a:effectRef>
-              <a:fontRef idx="minor">
-                <a:schemeClr val="lt1"/>
-              </a:fontRef>
-            </p:style>
             <p:txBody>
-              <a:bodyPr rtlCol="0" anchor="ctr"/>
+              <a:bodyPr wrap="none" anchor="b"/>
               <a:lstStyle/>
               <a:p>
-                <a:pPr algn="ctr"/>
+                <a:pPr algn="r" defTabSz="914400" eaLnBrk="0" hangingPunct="0"/>
                 <a:r>
-                  <a:rPr lang="en-US" sz="1400" dirty="0">
+                  <a:rPr lang="en-US" sz="1400" b="1" kern="0" dirty="0">
                     <a:solidFill>
-                      <a:schemeClr val="tx1"/>
+                      <a:sysClr val="windowText" lastClr="000000"/>
                     </a:solidFill>
+                    <a:latin typeface="Arial"/>
+                    <a:cs typeface="Arial"/>
                   </a:rPr>
-                  <a:t>Monitor</a:t>
+                  <a:t>Service Pool</a:t>
                 </a:r>
               </a:p>
             </p:txBody>
           </p:sp>
           <p:sp>
             <p:nvSpPr>
-              <p:cNvPr id="92" name="Rounded Rectangle 91">
+              <p:cNvPr id="102" name="AutoShape 201">
                 <a:extLst>
                   <a:ext uri="{FF2B5EF4-FFF2-40B4-BE49-F238E27FC236}">
-                    <a16:creationId xmlns:a16="http://schemas.microsoft.com/office/drawing/2014/main" id="{4E83B467-8977-5445-B7BC-662B9D5330F2}"/>
+                    <a16:creationId xmlns:a16="http://schemas.microsoft.com/office/drawing/2014/main" id="{4414D4CB-DBD3-3242-8318-4482B7F677B8}"/>
                   </a:ext>
                 </a:extLst>
               </p:cNvPr>
-              <p:cNvSpPr/>
+              <p:cNvSpPr>
+                <a:spLocks noChangeArrowheads="1"/>
+              </p:cNvSpPr>
               <p:nvPr/>
             </p:nvSpPr>
-            <p:spPr>
+            <p:spPr bwMode="auto">
               <a:xfrm>
-                <a:off x="1242291" y="4423692"/>
-                <a:ext cx="1424710" cy="436921"/>
+                <a:off x="1142311" y="1332424"/>
+                <a:ext cx="686489" cy="620793"/>
               </a:xfrm>
               <a:prstGeom prst="roundRect">
-                <a:avLst/>
+                <a:avLst>
+                  <a:gd name="adj" fmla="val 4635"/>
+                </a:avLst>
               </a:prstGeom>
-              <a:solidFill>
-                <a:schemeClr val="accent1">
-                  <a:lumMod val="40000"/>
-                  <a:lumOff val="60000"/>
-                </a:schemeClr>
-              </a:solidFill>
+              <a:ln>
+                <a:headEnd/>
+                <a:tailEnd/>
+              </a:ln>
             </p:spPr>
             <p:style>
-              <a:lnRef idx="3">
-                <a:schemeClr val="lt1"/>
+              <a:lnRef idx="2">
+                <a:schemeClr val="dk1"/>
               </a:lnRef>
               <a:fillRef idx="1">
-                <a:schemeClr val="accent1"/>
+                <a:schemeClr val="lt1"/>
               </a:fillRef>
-              <a:effectRef idx="1">
-                <a:schemeClr val="accent1"/>
+              <a:effectRef idx="0">
+                <a:schemeClr val="dk1"/>
               </a:effectRef>
               <a:fontRef idx="minor">
-                <a:schemeClr val="lt1"/>
+                <a:schemeClr val="dk1"/>
               </a:fontRef>
             </p:style>
             <p:txBody>
-              <a:bodyPr rtlCol="0" anchor="ctr"/>
+              <a:bodyPr wrap="none" anchor="ctr"/>
               <a:lstStyle/>
               <a:p>
-                <a:pPr algn="ctr"/>
+                <a:pPr marL="0" marR="0" lvl="0" indent="0" algn="ctr" defTabSz="914400" eaLnBrk="0" fontAlgn="auto" latinLnBrk="0" hangingPunct="0">
+                  <a:lnSpc>
+                    <a:spcPct val="100000"/>
+                  </a:lnSpc>
+                  <a:spcBef>
+                    <a:spcPts val="0"/>
+                  </a:spcBef>
+                  <a:spcAft>
+                    <a:spcPts val="0"/>
+                  </a:spcAft>
+                  <a:buClrTx/>
+                  <a:buSzTx/>
+                  <a:buFontTx/>
+                  <a:buNone/>
+                  <a:tabLst/>
+                  <a:defRPr/>
+                </a:pPr>
                 <a:r>
-                  <a:rPr lang="en-US" sz="1400" dirty="0">
+                  <a:rPr kumimoji="0" lang="en-US" sz="1400" b="1" i="1" u="none" strike="noStrike" kern="0" cap="none" spc="0" normalizeH="0" baseline="0" noProof="0" dirty="0">
+                    <a:ln>
+                      <a:noFill/>
+                    </a:ln>
                     <a:solidFill>
                       <a:schemeClr val="tx1"/>
                     </a:solidFill>
+                    <a:uLnTx/>
+                    <a:uFillTx/>
+                    <a:latin typeface="Arial"/>
+                    <a:cs typeface="Arial"/>
                   </a:rPr>
-                  <a:t>Dissemination</a:t>
+                  <a:t>S</a:t>
+                </a:r>
+                <a:r>
+                  <a:rPr kumimoji="0" lang="en-US" sz="1400" b="1" i="1" u="none" strike="noStrike" kern="0" cap="none" spc="0" normalizeH="0" baseline="-25000" noProof="0" dirty="0">
+                    <a:ln>
+                      <a:noFill/>
+                    </a:ln>
+                    <a:solidFill>
+                      <a:schemeClr val="tx1"/>
+                    </a:solidFill>
+                    <a:uLnTx/>
+                    <a:uFillTx/>
+                    <a:latin typeface="Arial"/>
+                    <a:cs typeface="Arial"/>
+                  </a:rPr>
+                  <a:t>1</a:t>
                 </a:r>
               </a:p>
             </p:txBody>
           </p:sp>
           <p:sp>
             <p:nvSpPr>
-              <p:cNvPr id="93" name="Rounded Rectangle 92">
+              <p:cNvPr id="103" name="AutoShape 201">
                 <a:extLst>
                   <a:ext uri="{FF2B5EF4-FFF2-40B4-BE49-F238E27FC236}">
-                    <a16:creationId xmlns:a16="http://schemas.microsoft.com/office/drawing/2014/main" id="{A4FC330F-2F1D-EB42-8878-E6DE57CD3DD7}"/>
+                    <a16:creationId xmlns:a16="http://schemas.microsoft.com/office/drawing/2014/main" id="{54154F84-8686-B54D-ADCD-ED143A9C3971}"/>
                   </a:ext>
                 </a:extLst>
               </p:cNvPr>
-              <p:cNvSpPr/>
+              <p:cNvSpPr>
+                <a:spLocks noChangeArrowheads="1"/>
+              </p:cNvSpPr>
+              <p:nvPr/>
+            </p:nvSpPr>
+            <p:spPr bwMode="auto">
+              <a:xfrm>
+                <a:off x="1885534" y="1332424"/>
+                <a:ext cx="686891" cy="620793"/>
+              </a:xfrm>
+              <a:prstGeom prst="roundRect">
+                <a:avLst>
+                  <a:gd name="adj" fmla="val 4635"/>
+                </a:avLst>
+              </a:prstGeom>
+              <a:ln>
+                <a:headEnd/>
+                <a:tailEnd/>
+              </a:ln>
+            </p:spPr>
+            <p:style>
+              <a:lnRef idx="2">
+                <a:schemeClr val="dk1"/>
+              </a:lnRef>
+              <a:fillRef idx="1">
+                <a:schemeClr val="lt1"/>
+              </a:fillRef>
+              <a:effectRef idx="0">
+                <a:schemeClr val="dk1"/>
+              </a:effectRef>
+              <a:fontRef idx="minor">
+                <a:schemeClr val="dk1"/>
+              </a:fontRef>
+            </p:style>
+            <p:txBody>
+              <a:bodyPr wrap="none" anchor="ctr"/>
+              <a:lstStyle/>
+              <a:p>
+                <a:pPr marL="0" marR="0" lvl="0" indent="0" algn="ctr" defTabSz="914400" eaLnBrk="0" fontAlgn="auto" latinLnBrk="0" hangingPunct="0">
+                  <a:lnSpc>
+                    <a:spcPct val="100000"/>
+                  </a:lnSpc>
+                  <a:spcBef>
+                    <a:spcPts val="0"/>
+                  </a:spcBef>
+                  <a:spcAft>
+                    <a:spcPts val="0"/>
+                  </a:spcAft>
+                  <a:buClrTx/>
+                  <a:buSzTx/>
+                  <a:buFontTx/>
+                  <a:buNone/>
+                  <a:tabLst/>
+                  <a:defRPr/>
+                </a:pPr>
+                <a:r>
+                  <a:rPr kumimoji="0" lang="en-US" sz="1400" b="1" i="1" u="none" strike="noStrike" kern="0" cap="none" spc="0" normalizeH="0" baseline="0" noProof="0" dirty="0">
+                    <a:ln>
+                      <a:noFill/>
+                    </a:ln>
+                    <a:solidFill>
+                      <a:schemeClr val="tx1"/>
+                    </a:solidFill>
+                    <a:uLnTx/>
+                    <a:uFillTx/>
+                    <a:latin typeface="Arial"/>
+                    <a:cs typeface="Arial"/>
+                  </a:rPr>
+                  <a:t>S</a:t>
+                </a:r>
+                <a:r>
+                  <a:rPr kumimoji="0" lang="en-US" sz="1400" b="1" i="1" u="none" strike="noStrike" kern="0" cap="none" spc="0" normalizeH="0" baseline="-25000" noProof="0" dirty="0">
+                    <a:ln>
+                      <a:noFill/>
+                    </a:ln>
+                    <a:solidFill>
+                      <a:schemeClr val="tx1"/>
+                    </a:solidFill>
+                    <a:uLnTx/>
+                    <a:uFillTx/>
+                    <a:latin typeface="Arial"/>
+                    <a:cs typeface="Arial"/>
+                  </a:rPr>
+                  <a:t>2</a:t>
+                </a:r>
+              </a:p>
+            </p:txBody>
+          </p:sp>
+          <p:sp>
+            <p:nvSpPr>
+              <p:cNvPr id="104" name="AutoShape 201">
+                <a:extLst>
+                  <a:ext uri="{FF2B5EF4-FFF2-40B4-BE49-F238E27FC236}">
+                    <a16:creationId xmlns:a16="http://schemas.microsoft.com/office/drawing/2014/main" id="{79CFB6CB-8863-D248-ADCC-DB4F323F4FAF}"/>
+                  </a:ext>
+                </a:extLst>
+              </p:cNvPr>
+              <p:cNvSpPr>
+                <a:spLocks noChangeArrowheads="1"/>
+              </p:cNvSpPr>
+              <p:nvPr/>
+            </p:nvSpPr>
+            <p:spPr bwMode="auto">
+              <a:xfrm>
+                <a:off x="3115688" y="1332425"/>
+                <a:ext cx="691084" cy="609746"/>
+              </a:xfrm>
+              <a:prstGeom prst="roundRect">
+                <a:avLst>
+                  <a:gd name="adj" fmla="val 4635"/>
+                </a:avLst>
+              </a:prstGeom>
+              <a:ln>
+                <a:headEnd/>
+                <a:tailEnd/>
+              </a:ln>
+            </p:spPr>
+            <p:style>
+              <a:lnRef idx="2">
+                <a:schemeClr val="dk1"/>
+              </a:lnRef>
+              <a:fillRef idx="1">
+                <a:schemeClr val="lt1"/>
+              </a:fillRef>
+              <a:effectRef idx="0">
+                <a:schemeClr val="dk1"/>
+              </a:effectRef>
+              <a:fontRef idx="minor">
+                <a:schemeClr val="dk1"/>
+              </a:fontRef>
+            </p:style>
+            <p:txBody>
+              <a:bodyPr wrap="none" anchor="ctr"/>
+              <a:lstStyle/>
+              <a:p>
+                <a:pPr marL="0" marR="0" lvl="0" indent="0" algn="ctr" defTabSz="914400" eaLnBrk="0" fontAlgn="auto" latinLnBrk="0" hangingPunct="0">
+                  <a:lnSpc>
+                    <a:spcPct val="100000"/>
+                  </a:lnSpc>
+                  <a:spcBef>
+                    <a:spcPts val="0"/>
+                  </a:spcBef>
+                  <a:spcAft>
+                    <a:spcPts val="0"/>
+                  </a:spcAft>
+                  <a:buClrTx/>
+                  <a:buSzTx/>
+                  <a:buFontTx/>
+                  <a:buNone/>
+                  <a:tabLst/>
+                  <a:defRPr/>
+                </a:pPr>
+                <a:r>
+                  <a:rPr kumimoji="0" lang="en-US" sz="1400" b="1" i="1" u="none" strike="noStrike" kern="0" cap="none" spc="0" normalizeH="0" baseline="0" noProof="0" dirty="0">
+                    <a:ln>
+                      <a:noFill/>
+                    </a:ln>
+                    <a:solidFill>
+                      <a:schemeClr val="tx1"/>
+                    </a:solidFill>
+                    <a:uLnTx/>
+                    <a:uFillTx/>
+                    <a:latin typeface="Arial"/>
+                    <a:cs typeface="Arial"/>
+                  </a:rPr>
+                  <a:t>S</a:t>
+                </a:r>
+                <a:r>
+                  <a:rPr kumimoji="0" lang="en-US" sz="1400" b="1" i="1" u="none" strike="noStrike" kern="0" cap="none" spc="0" normalizeH="0" baseline="-25000" noProof="0" dirty="0">
+                    <a:ln>
+                      <a:noFill/>
+                    </a:ln>
+                    <a:solidFill>
+                      <a:schemeClr val="tx1"/>
+                    </a:solidFill>
+                    <a:uLnTx/>
+                    <a:uFillTx/>
+                    <a:latin typeface="Arial"/>
+                    <a:cs typeface="Arial"/>
+                  </a:rPr>
+                  <a:t>n</a:t>
+                </a:r>
+              </a:p>
+            </p:txBody>
+          </p:sp>
+          <p:sp>
+            <p:nvSpPr>
+              <p:cNvPr id="105" name="TextBox 104">
+                <a:extLst>
+                  <a:ext uri="{FF2B5EF4-FFF2-40B4-BE49-F238E27FC236}">
+                    <a16:creationId xmlns:a16="http://schemas.microsoft.com/office/drawing/2014/main" id="{40D0DA44-6D2E-6542-AD67-B6B37B771C2A}"/>
+                  </a:ext>
+                </a:extLst>
+              </p:cNvPr>
+              <p:cNvSpPr txBox="1"/>
               <p:nvPr/>
             </p:nvSpPr>
             <p:spPr>
               <a:xfrm>
-                <a:off x="1242291" y="3719369"/>
-                <a:ext cx="1424710" cy="629241"/>
+                <a:off x="2647290" y="1357395"/>
+                <a:ext cx="468398" cy="584775"/>
               </a:xfrm>
-              <a:prstGeom prst="roundRect">
+              <a:prstGeom prst="rect">
                 <a:avLst/>
               </a:prstGeom>
-              <a:solidFill>
-                <a:schemeClr val="accent1">
-                  <a:lumMod val="40000"/>
-                  <a:lumOff val="60000"/>
-                </a:schemeClr>
-              </a:solidFill>
+              <a:noFill/>
             </p:spPr>
-            <p:style>
-              <a:lnRef idx="3">
-                <a:schemeClr val="lt1"/>
-              </a:lnRef>
-              <a:fillRef idx="1">
-                <a:schemeClr val="accent1"/>
-              </a:fillRef>
-              <a:effectRef idx="1">
-                <a:schemeClr val="accent1"/>
-              </a:effectRef>
-              <a:fontRef idx="minor">
-                <a:schemeClr val="lt1"/>
-              </a:fontRef>
-            </p:style>
             <p:txBody>
-              <a:bodyPr rtlCol="0" anchor="ctr"/>
+              <a:bodyPr wrap="none" rtlCol="0" anchor="ctr">
+                <a:spAutoFit/>
+              </a:bodyPr>
               <a:lstStyle/>
               <a:p>
-                <a:pPr algn="ctr"/>
                 <a:r>
-                  <a:rPr lang="en-US" sz="1400" dirty="0">
-                    <a:solidFill>
-                      <a:schemeClr val="tx1"/>
-                    </a:solidFill>
-                  </a:rPr>
-                  <a:t>Assembly Manager</a:t>
+                  <a:rPr lang="en-US" sz="3200" dirty="0"/>
+                  <a:t>…</a:t>
                 </a:r>
               </a:p>
             </p:txBody>
           </p:sp>
-          <p:grpSp>
-            <p:nvGrpSpPr>
-              <p:cNvPr id="94" name="Group 93">
-                <a:extLst>
-                  <a:ext uri="{FF2B5EF4-FFF2-40B4-BE49-F238E27FC236}">
-                    <a16:creationId xmlns:a16="http://schemas.microsoft.com/office/drawing/2014/main" id="{839EB496-0CF1-AC4C-B860-A3E0B1966C9B}"/>
-                  </a:ext>
-                </a:extLst>
-              </p:cNvPr>
-              <p:cNvGrpSpPr/>
-              <p:nvPr/>
-            </p:nvGrpSpPr>
-            <p:grpSpPr>
-              <a:xfrm>
-                <a:off x="992219" y="1760708"/>
-                <a:ext cx="2830750" cy="1011957"/>
-                <a:chOff x="1070043" y="1284051"/>
-                <a:chExt cx="2830750" cy="1011957"/>
-              </a:xfrm>
-            </p:grpSpPr>
-            <p:sp>
-              <p:nvSpPr>
-                <p:cNvPr id="101" name="Rounded Rectangle 100">
-                  <a:extLst>
-                    <a:ext uri="{FF2B5EF4-FFF2-40B4-BE49-F238E27FC236}">
-                      <a16:creationId xmlns:a16="http://schemas.microsoft.com/office/drawing/2014/main" id="{439DB12D-49A2-8541-9F26-A89AC35773F6}"/>
-                    </a:ext>
-                  </a:extLst>
-                </p:cNvPr>
-                <p:cNvSpPr/>
-                <p:nvPr/>
-              </p:nvSpPr>
-              <p:spPr>
-                <a:xfrm>
-                  <a:off x="1070043" y="1284051"/>
-                  <a:ext cx="2830750" cy="1011957"/>
-                </a:xfrm>
-                <a:prstGeom prst="roundRect">
-                  <a:avLst>
-                    <a:gd name="adj" fmla="val 6990"/>
-                  </a:avLst>
-                </a:prstGeom>
-                <a:solidFill>
-                  <a:schemeClr val="bg1">
-                    <a:lumMod val="95000"/>
-                  </a:schemeClr>
-                </a:solidFill>
-                <a:ln w="38100">
-                  <a:noFill/>
-                  <a:round/>
-                  <a:headEnd/>
-                  <a:tailEnd/>
-                </a:ln>
-              </p:spPr>
-              <p:txBody>
-                <a:bodyPr wrap="none" anchor="b"/>
-                <a:lstStyle/>
-                <a:p>
-                  <a:pPr algn="r" defTabSz="914400" eaLnBrk="0" hangingPunct="0"/>
-                  <a:r>
-                    <a:rPr lang="en-US" sz="1400" b="1" kern="0" dirty="0">
-                      <a:solidFill>
-                        <a:sysClr val="windowText" lastClr="000000"/>
-                      </a:solidFill>
-                      <a:latin typeface="Arial"/>
-                      <a:cs typeface="Arial"/>
-                    </a:rPr>
-                    <a:t>Service Pool</a:t>
-                  </a:r>
-                </a:p>
-              </p:txBody>
-            </p:sp>
-            <p:sp>
-              <p:nvSpPr>
-                <p:cNvPr id="102" name="AutoShape 201">
-                  <a:extLst>
-                    <a:ext uri="{FF2B5EF4-FFF2-40B4-BE49-F238E27FC236}">
-                      <a16:creationId xmlns:a16="http://schemas.microsoft.com/office/drawing/2014/main" id="{4414D4CB-DBD3-3242-8318-4482B7F677B8}"/>
-                    </a:ext>
-                  </a:extLst>
-                </p:cNvPr>
-                <p:cNvSpPr>
-                  <a:spLocks noChangeArrowheads="1"/>
-                </p:cNvSpPr>
-                <p:nvPr/>
-              </p:nvSpPr>
-              <p:spPr bwMode="auto">
-                <a:xfrm>
-                  <a:off x="1142311" y="1332424"/>
-                  <a:ext cx="686489" cy="620793"/>
-                </a:xfrm>
-                <a:prstGeom prst="roundRect">
-                  <a:avLst>
-                    <a:gd name="adj" fmla="val 4635"/>
-                  </a:avLst>
-                </a:prstGeom>
-                <a:ln>
-                  <a:headEnd/>
-                  <a:tailEnd/>
-                </a:ln>
-              </p:spPr>
-              <p:style>
-                <a:lnRef idx="2">
-                  <a:schemeClr val="dk1"/>
-                </a:lnRef>
-                <a:fillRef idx="1">
-                  <a:schemeClr val="lt1"/>
-                </a:fillRef>
-                <a:effectRef idx="0">
-                  <a:schemeClr val="dk1"/>
-                </a:effectRef>
-                <a:fontRef idx="minor">
-                  <a:schemeClr val="dk1"/>
-                </a:fontRef>
-              </p:style>
-              <p:txBody>
-                <a:bodyPr wrap="none" anchor="ctr"/>
-                <a:lstStyle/>
-                <a:p>
-                  <a:pPr marL="0" marR="0" lvl="0" indent="0" algn="ctr" defTabSz="914400" eaLnBrk="0" fontAlgn="auto" latinLnBrk="0" hangingPunct="0">
-                    <a:lnSpc>
-                      <a:spcPct val="100000"/>
-                    </a:lnSpc>
-                    <a:spcBef>
-                      <a:spcPts val="0"/>
-                    </a:spcBef>
-                    <a:spcAft>
-                      <a:spcPts val="0"/>
-                    </a:spcAft>
-                    <a:buClrTx/>
-                    <a:buSzTx/>
-                    <a:buFontTx/>
-                    <a:buNone/>
-                    <a:tabLst/>
-                    <a:defRPr/>
-                  </a:pPr>
-                  <a:r>
-                    <a:rPr kumimoji="0" lang="en-US" sz="1400" b="1" i="1" u="none" strike="noStrike" kern="0" cap="none" spc="0" normalizeH="0" baseline="0" noProof="0" dirty="0">
-                      <a:ln>
-                        <a:noFill/>
-                      </a:ln>
-                      <a:solidFill>
-                        <a:schemeClr val="tx1"/>
-                      </a:solidFill>
-                      <a:uLnTx/>
-                      <a:uFillTx/>
-                      <a:latin typeface="Arial"/>
-                      <a:cs typeface="Arial"/>
-                    </a:rPr>
-                    <a:t>S</a:t>
-                  </a:r>
-                  <a:r>
-                    <a:rPr kumimoji="0" lang="en-US" sz="1400" b="1" i="1" u="none" strike="noStrike" kern="0" cap="none" spc="0" normalizeH="0" baseline="-25000" noProof="0" dirty="0">
-                      <a:ln>
-                        <a:noFill/>
-                      </a:ln>
-                      <a:solidFill>
-                        <a:schemeClr val="tx1"/>
-                      </a:solidFill>
-                      <a:uLnTx/>
-                      <a:uFillTx/>
-                      <a:latin typeface="Arial"/>
-                      <a:cs typeface="Arial"/>
-                    </a:rPr>
-                    <a:t>1</a:t>
-                  </a:r>
-                </a:p>
-              </p:txBody>
-            </p:sp>
-            <p:sp>
-              <p:nvSpPr>
-                <p:cNvPr id="103" name="AutoShape 201">
-                  <a:extLst>
-                    <a:ext uri="{FF2B5EF4-FFF2-40B4-BE49-F238E27FC236}">
-                      <a16:creationId xmlns:a16="http://schemas.microsoft.com/office/drawing/2014/main" id="{54154F84-8686-B54D-ADCD-ED143A9C3971}"/>
-                    </a:ext>
-                  </a:extLst>
-                </p:cNvPr>
-                <p:cNvSpPr>
-                  <a:spLocks noChangeArrowheads="1"/>
-                </p:cNvSpPr>
-                <p:nvPr/>
-              </p:nvSpPr>
-              <p:spPr bwMode="auto">
-                <a:xfrm>
-                  <a:off x="1885534" y="1332424"/>
-                  <a:ext cx="686891" cy="620793"/>
-                </a:xfrm>
-                <a:prstGeom prst="roundRect">
-                  <a:avLst>
-                    <a:gd name="adj" fmla="val 4635"/>
-                  </a:avLst>
-                </a:prstGeom>
-                <a:ln>
-                  <a:headEnd/>
-                  <a:tailEnd/>
-                </a:ln>
-              </p:spPr>
-              <p:style>
-                <a:lnRef idx="2">
-                  <a:schemeClr val="dk1"/>
-                </a:lnRef>
-                <a:fillRef idx="1">
-                  <a:schemeClr val="lt1"/>
-                </a:fillRef>
-                <a:effectRef idx="0">
-                  <a:schemeClr val="dk1"/>
-                </a:effectRef>
-                <a:fontRef idx="minor">
-                  <a:schemeClr val="dk1"/>
-                </a:fontRef>
-              </p:style>
-              <p:txBody>
-                <a:bodyPr wrap="none" anchor="ctr"/>
-                <a:lstStyle/>
-                <a:p>
-                  <a:pPr marL="0" marR="0" lvl="0" indent="0" algn="ctr" defTabSz="914400" eaLnBrk="0" fontAlgn="auto" latinLnBrk="0" hangingPunct="0">
-                    <a:lnSpc>
-                      <a:spcPct val="100000"/>
-                    </a:lnSpc>
-                    <a:spcBef>
-                      <a:spcPts val="0"/>
-                    </a:spcBef>
-                    <a:spcAft>
-                      <a:spcPts val="0"/>
-                    </a:spcAft>
-                    <a:buClrTx/>
-                    <a:buSzTx/>
-                    <a:buFontTx/>
-                    <a:buNone/>
-                    <a:tabLst/>
-                    <a:defRPr/>
-                  </a:pPr>
-                  <a:r>
-                    <a:rPr kumimoji="0" lang="en-US" sz="1400" b="1" i="1" u="none" strike="noStrike" kern="0" cap="none" spc="0" normalizeH="0" baseline="0" noProof="0" dirty="0">
-                      <a:ln>
-                        <a:noFill/>
-                      </a:ln>
-                      <a:solidFill>
-                        <a:schemeClr val="tx1"/>
-                      </a:solidFill>
-                      <a:uLnTx/>
-                      <a:uFillTx/>
-                      <a:latin typeface="Arial"/>
-                      <a:cs typeface="Arial"/>
-                    </a:rPr>
-                    <a:t>S</a:t>
-                  </a:r>
-                  <a:r>
-                    <a:rPr kumimoji="0" lang="en-US" sz="1400" b="1" i="1" u="none" strike="noStrike" kern="0" cap="none" spc="0" normalizeH="0" baseline="-25000" noProof="0" dirty="0">
-                      <a:ln>
-                        <a:noFill/>
-                      </a:ln>
-                      <a:solidFill>
-                        <a:schemeClr val="tx1"/>
-                      </a:solidFill>
-                      <a:uLnTx/>
-                      <a:uFillTx/>
-                      <a:latin typeface="Arial"/>
-                      <a:cs typeface="Arial"/>
-                    </a:rPr>
-                    <a:t>2</a:t>
-                  </a:r>
-                </a:p>
-              </p:txBody>
-            </p:sp>
-            <p:sp>
-              <p:nvSpPr>
-                <p:cNvPr id="104" name="AutoShape 201">
-                  <a:extLst>
-                    <a:ext uri="{FF2B5EF4-FFF2-40B4-BE49-F238E27FC236}">
-                      <a16:creationId xmlns:a16="http://schemas.microsoft.com/office/drawing/2014/main" id="{79CFB6CB-8863-D248-ADCC-DB4F323F4FAF}"/>
-                    </a:ext>
-                  </a:extLst>
-                </p:cNvPr>
-                <p:cNvSpPr>
-                  <a:spLocks noChangeArrowheads="1"/>
-                </p:cNvSpPr>
-                <p:nvPr/>
-              </p:nvSpPr>
-              <p:spPr bwMode="auto">
-                <a:xfrm>
-                  <a:off x="3115688" y="1332425"/>
-                  <a:ext cx="691084" cy="609746"/>
-                </a:xfrm>
-                <a:prstGeom prst="roundRect">
-                  <a:avLst>
-                    <a:gd name="adj" fmla="val 4635"/>
-                  </a:avLst>
-                </a:prstGeom>
-                <a:ln>
-                  <a:headEnd/>
-                  <a:tailEnd/>
-                </a:ln>
-              </p:spPr>
-              <p:style>
-                <a:lnRef idx="2">
-                  <a:schemeClr val="dk1"/>
-                </a:lnRef>
-                <a:fillRef idx="1">
-                  <a:schemeClr val="lt1"/>
-                </a:fillRef>
-                <a:effectRef idx="0">
-                  <a:schemeClr val="dk1"/>
-                </a:effectRef>
-                <a:fontRef idx="minor">
-                  <a:schemeClr val="dk1"/>
-                </a:fontRef>
-              </p:style>
-              <p:txBody>
-                <a:bodyPr wrap="none" anchor="ctr"/>
-                <a:lstStyle/>
-                <a:p>
-                  <a:pPr marL="0" marR="0" lvl="0" indent="0" algn="ctr" defTabSz="914400" eaLnBrk="0" fontAlgn="auto" latinLnBrk="0" hangingPunct="0">
-                    <a:lnSpc>
-                      <a:spcPct val="100000"/>
-                    </a:lnSpc>
-                    <a:spcBef>
-                      <a:spcPts val="0"/>
-                    </a:spcBef>
-                    <a:spcAft>
-                      <a:spcPts val="0"/>
-                    </a:spcAft>
-                    <a:buClrTx/>
-                    <a:buSzTx/>
-                    <a:buFontTx/>
-                    <a:buNone/>
-                    <a:tabLst/>
-                    <a:defRPr/>
-                  </a:pPr>
-                  <a:r>
-                    <a:rPr kumimoji="0" lang="en-US" sz="1400" b="1" i="1" u="none" strike="noStrike" kern="0" cap="none" spc="0" normalizeH="0" baseline="0" noProof="0" dirty="0">
-                      <a:ln>
-                        <a:noFill/>
-                      </a:ln>
-                      <a:solidFill>
-                        <a:schemeClr val="tx1"/>
-                      </a:solidFill>
-                      <a:uLnTx/>
-                      <a:uFillTx/>
-                      <a:latin typeface="Arial"/>
-                      <a:cs typeface="Arial"/>
-                    </a:rPr>
-                    <a:t>S</a:t>
-                  </a:r>
-                  <a:r>
-                    <a:rPr kumimoji="0" lang="en-US" sz="1400" b="1" i="1" u="none" strike="noStrike" kern="0" cap="none" spc="0" normalizeH="0" baseline="-25000" noProof="0" dirty="0">
-                      <a:ln>
-                        <a:noFill/>
-                      </a:ln>
-                      <a:solidFill>
-                        <a:schemeClr val="tx1"/>
-                      </a:solidFill>
-                      <a:uLnTx/>
-                      <a:uFillTx/>
-                      <a:latin typeface="Arial"/>
-                      <a:cs typeface="Arial"/>
-                    </a:rPr>
-                    <a:t>n</a:t>
-                  </a:r>
-                </a:p>
-              </p:txBody>
-            </p:sp>
-            <p:sp>
-              <p:nvSpPr>
-                <p:cNvPr id="105" name="TextBox 104">
-                  <a:extLst>
-                    <a:ext uri="{FF2B5EF4-FFF2-40B4-BE49-F238E27FC236}">
-                      <a16:creationId xmlns:a16="http://schemas.microsoft.com/office/drawing/2014/main" id="{40D0DA44-6D2E-6542-AD67-B6B37B771C2A}"/>
-                    </a:ext>
-                  </a:extLst>
-                </p:cNvPr>
-                <p:cNvSpPr txBox="1"/>
-                <p:nvPr/>
-              </p:nvSpPr>
-              <p:spPr>
-                <a:xfrm>
-                  <a:off x="2647290" y="1357395"/>
-                  <a:ext cx="468398" cy="584775"/>
-                </a:xfrm>
-                <a:prstGeom prst="rect">
-                  <a:avLst/>
-                </a:prstGeom>
-                <a:noFill/>
-              </p:spPr>
-              <p:txBody>
-                <a:bodyPr wrap="none" rtlCol="0" anchor="ctr">
-                  <a:spAutoFit/>
-                </a:bodyPr>
-                <a:lstStyle/>
-                <a:p>
-                  <a:r>
-                    <a:rPr lang="en-US" sz="3200" dirty="0"/>
-                    <a:t>…</a:t>
-                  </a:r>
-                </a:p>
-              </p:txBody>
-            </p:sp>
-          </p:grpSp>
-          <p:cxnSp>
-            <p:nvCxnSpPr>
-              <p:cNvPr id="95" name="Straight Connector 94">
-                <a:extLst>
-                  <a:ext uri="{FF2B5EF4-FFF2-40B4-BE49-F238E27FC236}">
-                    <a16:creationId xmlns:a16="http://schemas.microsoft.com/office/drawing/2014/main" id="{44348D7C-1F64-6A48-B54E-80166C16B1BE}"/>
-                  </a:ext>
-                </a:extLst>
-              </p:cNvPr>
-              <p:cNvCxnSpPr>
-                <a:cxnSpLocks/>
-                <a:stCxn id="102" idx="0"/>
-                <a:endCxn id="96" idx="0"/>
-              </p:cNvCxnSpPr>
-              <p:nvPr/>
-            </p:nvCxnSpPr>
-            <p:spPr>
-              <a:xfrm flipH="1" flipV="1">
-                <a:off x="1407730" y="1581808"/>
-                <a:ext cx="2" cy="227273"/>
-              </a:xfrm>
-              <a:prstGeom prst="line">
-                <a:avLst/>
-              </a:prstGeom>
-              <a:ln>
-                <a:solidFill>
-                  <a:schemeClr val="tx1">
-                    <a:lumMod val="95000"/>
-                    <a:lumOff val="5000"/>
-                  </a:schemeClr>
-                </a:solidFill>
-              </a:ln>
-              <a:effectLst/>
-            </p:spPr>
-            <p:style>
-              <a:lnRef idx="2">
-                <a:schemeClr val="accent1"/>
-              </a:lnRef>
-              <a:fillRef idx="0">
-                <a:schemeClr val="accent1"/>
-              </a:fillRef>
-              <a:effectRef idx="1">
-                <a:schemeClr val="accent1"/>
-              </a:effectRef>
-              <a:fontRef idx="minor">
-                <a:schemeClr val="tx1"/>
-              </a:fontRef>
-            </p:style>
-          </p:cxnSp>
-          <p:sp>
-            <p:nvSpPr>
-              <p:cNvPr id="96" name="Oval 95">
-                <a:extLst>
-                  <a:ext uri="{FF2B5EF4-FFF2-40B4-BE49-F238E27FC236}">
-                    <a16:creationId xmlns:a16="http://schemas.microsoft.com/office/drawing/2014/main" id="{D7F111B9-4B7A-C049-820D-0C4B0B5ED53B}"/>
-                  </a:ext>
-                </a:extLst>
-              </p:cNvPr>
-              <p:cNvSpPr/>
-              <p:nvPr/>
-            </p:nvSpPr>
-            <p:spPr>
-              <a:xfrm rot="10800000">
-                <a:off x="1332685" y="1443262"/>
-                <a:ext cx="150091" cy="138546"/>
-              </a:xfrm>
-              <a:prstGeom prst="ellipse">
-                <a:avLst/>
-              </a:prstGeom>
+        </p:grpSp>
+        <p:cxnSp>
+          <p:nvCxnSpPr>
+            <p:cNvPr id="95" name="Straight Connector 94">
+              <a:extLst>
+                <a:ext uri="{FF2B5EF4-FFF2-40B4-BE49-F238E27FC236}">
+                  <a16:creationId xmlns:a16="http://schemas.microsoft.com/office/drawing/2014/main" id="{44348D7C-1F64-6A48-B54E-80166C16B1BE}"/>
+                </a:ext>
+              </a:extLst>
+            </p:cNvPr>
+            <p:cNvCxnSpPr>
+              <a:cxnSpLocks/>
+              <a:stCxn id="102" idx="0"/>
+              <a:endCxn id="96" idx="0"/>
+            </p:cNvCxnSpPr>
+            <p:nvPr/>
+          </p:nvCxnSpPr>
+          <p:spPr>
+            <a:xfrm flipH="1" flipV="1">
+              <a:off x="4848539" y="1581808"/>
+              <a:ext cx="2" cy="227273"/>
+            </a:xfrm>
+            <a:prstGeom prst="line">
+              <a:avLst/>
+            </a:prstGeom>
+            <a:ln>
               <a:solidFill>
-                <a:schemeClr val="tx1"/>
+                <a:schemeClr val="tx1">
+                  <a:lumMod val="95000"/>
+                  <a:lumOff val="5000"/>
+                </a:schemeClr>
               </a:solidFill>
-              <a:ln>
-                <a:solidFill>
-                  <a:srgbClr val="0D0D0D"/>
-                </a:solidFill>
-              </a:ln>
-              <a:effectLst/>
-            </p:spPr>
-            <p:style>
-              <a:lnRef idx="1">
-                <a:schemeClr val="accent1"/>
-              </a:lnRef>
-              <a:fillRef idx="3">
-                <a:schemeClr val="accent1"/>
-              </a:fillRef>
-              <a:effectRef idx="2">
-                <a:schemeClr val="accent1"/>
-              </a:effectRef>
-              <a:fontRef idx="minor">
-                <a:schemeClr val="lt1"/>
-              </a:fontRef>
-            </p:style>
-            <p:txBody>
-              <a:bodyPr rtlCol="0" anchor="ctr"/>
-              <a:lstStyle/>
-              <a:p>
-                <a:pPr algn="ctr"/>
-                <a:endParaRPr lang="en-US"/>
-              </a:p>
-            </p:txBody>
-          </p:sp>
-          <p:cxnSp>
-            <p:nvCxnSpPr>
-              <p:cNvPr id="97" name="Straight Connector 96">
-                <a:extLst>
-                  <a:ext uri="{FF2B5EF4-FFF2-40B4-BE49-F238E27FC236}">
-                    <a16:creationId xmlns:a16="http://schemas.microsoft.com/office/drawing/2014/main" id="{33CA7BFD-BF9E-604C-97D1-391B3C4ECC69}"/>
-                  </a:ext>
-                </a:extLst>
-              </p:cNvPr>
-              <p:cNvCxnSpPr>
-                <a:cxnSpLocks/>
-                <a:stCxn id="103" idx="0"/>
-                <a:endCxn id="98" idx="0"/>
-              </p:cNvCxnSpPr>
-              <p:nvPr/>
-            </p:nvCxnSpPr>
-            <p:spPr>
-              <a:xfrm flipV="1">
-                <a:off x="2151156" y="1597774"/>
-                <a:ext cx="2776" cy="211307"/>
-              </a:xfrm>
-              <a:prstGeom prst="line">
-                <a:avLst/>
-              </a:prstGeom>
-              <a:ln>
-                <a:solidFill>
-                  <a:schemeClr val="tx1">
-                    <a:lumMod val="95000"/>
-                    <a:lumOff val="5000"/>
-                  </a:schemeClr>
-                </a:solidFill>
-              </a:ln>
-              <a:effectLst/>
-            </p:spPr>
-            <p:style>
-              <a:lnRef idx="2">
-                <a:schemeClr val="accent1"/>
-              </a:lnRef>
-              <a:fillRef idx="0">
-                <a:schemeClr val="accent1"/>
-              </a:fillRef>
-              <a:effectRef idx="1">
-                <a:schemeClr val="accent1"/>
-              </a:effectRef>
-              <a:fontRef idx="minor">
-                <a:schemeClr val="tx1"/>
-              </a:fontRef>
-            </p:style>
-          </p:cxnSp>
-          <p:sp>
-            <p:nvSpPr>
-              <p:cNvPr id="98" name="Oval 97">
-                <a:extLst>
-                  <a:ext uri="{FF2B5EF4-FFF2-40B4-BE49-F238E27FC236}">
-                    <a16:creationId xmlns:a16="http://schemas.microsoft.com/office/drawing/2014/main" id="{079817EE-2D25-A442-A8D4-2191EBE7684B}"/>
-                  </a:ext>
-                </a:extLst>
-              </p:cNvPr>
-              <p:cNvSpPr/>
-              <p:nvPr/>
-            </p:nvSpPr>
-            <p:spPr>
-              <a:xfrm rot="10800000">
-                <a:off x="2078887" y="1459228"/>
-                <a:ext cx="150091" cy="138546"/>
-              </a:xfrm>
-              <a:prstGeom prst="ellipse">
-                <a:avLst/>
-              </a:prstGeom>
+            </a:ln>
+            <a:effectLst/>
+          </p:spPr>
+          <p:style>
+            <a:lnRef idx="2">
+              <a:schemeClr val="accent1"/>
+            </a:lnRef>
+            <a:fillRef idx="0">
+              <a:schemeClr val="accent1"/>
+            </a:fillRef>
+            <a:effectRef idx="1">
+              <a:schemeClr val="accent1"/>
+            </a:effectRef>
+            <a:fontRef idx="minor">
+              <a:schemeClr val="tx1"/>
+            </a:fontRef>
+          </p:style>
+        </p:cxnSp>
+        <p:sp>
+          <p:nvSpPr>
+            <p:cNvPr id="96" name="Oval 95">
+              <a:extLst>
+                <a:ext uri="{FF2B5EF4-FFF2-40B4-BE49-F238E27FC236}">
+                  <a16:creationId xmlns:a16="http://schemas.microsoft.com/office/drawing/2014/main" id="{D7F111B9-4B7A-C049-820D-0C4B0B5ED53B}"/>
+                </a:ext>
+              </a:extLst>
+            </p:cNvPr>
+            <p:cNvSpPr/>
+            <p:nvPr/>
+          </p:nvSpPr>
+          <p:spPr>
+            <a:xfrm rot="10800000">
+              <a:off x="4773494" y="1443262"/>
+              <a:ext cx="150091" cy="138546"/>
+            </a:xfrm>
+            <a:prstGeom prst="ellipse">
+              <a:avLst/>
+            </a:prstGeom>
+            <a:solidFill>
+              <a:schemeClr val="tx1"/>
+            </a:solidFill>
+            <a:ln>
               <a:solidFill>
-                <a:schemeClr val="tx1"/>
+                <a:srgbClr val="0D0D0D"/>
               </a:solidFill>
-              <a:ln>
-                <a:solidFill>
-                  <a:srgbClr val="0D0D0D"/>
-                </a:solidFill>
-              </a:ln>
-              <a:effectLst/>
-            </p:spPr>
-            <p:style>
-              <a:lnRef idx="1">
-                <a:schemeClr val="accent1"/>
-              </a:lnRef>
-              <a:fillRef idx="3">
-                <a:schemeClr val="accent1"/>
-              </a:fillRef>
-              <a:effectRef idx="2">
-                <a:schemeClr val="accent1"/>
-              </a:effectRef>
-              <a:fontRef idx="minor">
-                <a:schemeClr val="lt1"/>
-              </a:fontRef>
-            </p:style>
-            <p:txBody>
-              <a:bodyPr rtlCol="0" anchor="ctr"/>
-              <a:lstStyle/>
-              <a:p>
-                <a:pPr algn="ctr"/>
-                <a:endParaRPr lang="en-US"/>
-              </a:p>
-            </p:txBody>
-          </p:sp>
-          <p:cxnSp>
-            <p:nvCxnSpPr>
-              <p:cNvPr id="99" name="Straight Connector 98">
-                <a:extLst>
-                  <a:ext uri="{FF2B5EF4-FFF2-40B4-BE49-F238E27FC236}">
-                    <a16:creationId xmlns:a16="http://schemas.microsoft.com/office/drawing/2014/main" id="{1E2A23FA-54D7-144A-A024-E1C55ED6A785}"/>
-                  </a:ext>
-                </a:extLst>
-              </p:cNvPr>
-              <p:cNvCxnSpPr>
-                <a:cxnSpLocks/>
-                <a:stCxn id="104" idx="0"/>
-                <a:endCxn id="100" idx="0"/>
-              </p:cNvCxnSpPr>
-              <p:nvPr/>
-            </p:nvCxnSpPr>
-            <p:spPr>
-              <a:xfrm flipH="1" flipV="1">
-                <a:off x="3383405" y="1581808"/>
-                <a:ext cx="1" cy="227274"/>
-              </a:xfrm>
-              <a:prstGeom prst="line">
-                <a:avLst/>
-              </a:prstGeom>
-              <a:ln>
-                <a:solidFill>
-                  <a:schemeClr val="tx1">
-                    <a:lumMod val="95000"/>
-                    <a:lumOff val="5000"/>
-                  </a:schemeClr>
-                </a:solidFill>
-              </a:ln>
-              <a:effectLst/>
-            </p:spPr>
-            <p:style>
-              <a:lnRef idx="2">
-                <a:schemeClr val="accent1"/>
-              </a:lnRef>
-              <a:fillRef idx="0">
-                <a:schemeClr val="accent1"/>
-              </a:fillRef>
-              <a:effectRef idx="1">
-                <a:schemeClr val="accent1"/>
-              </a:effectRef>
-              <a:fontRef idx="minor">
-                <a:schemeClr val="tx1"/>
-              </a:fontRef>
-            </p:style>
-          </p:cxnSp>
-          <p:sp>
-            <p:nvSpPr>
-              <p:cNvPr id="100" name="Oval 99">
-                <a:extLst>
-                  <a:ext uri="{FF2B5EF4-FFF2-40B4-BE49-F238E27FC236}">
-                    <a16:creationId xmlns:a16="http://schemas.microsoft.com/office/drawing/2014/main" id="{7055E569-58CC-0D4B-B7F0-60AD0938B62C}"/>
-                  </a:ext>
-                </a:extLst>
-              </p:cNvPr>
-              <p:cNvSpPr/>
-              <p:nvPr/>
-            </p:nvSpPr>
-            <p:spPr>
-              <a:xfrm rot="10800000">
-                <a:off x="3308360" y="1443262"/>
-                <a:ext cx="150091" cy="138546"/>
-              </a:xfrm>
-              <a:prstGeom prst="ellipse">
-                <a:avLst/>
-              </a:prstGeom>
+            </a:ln>
+            <a:effectLst/>
+          </p:spPr>
+          <p:style>
+            <a:lnRef idx="1">
+              <a:schemeClr val="accent1"/>
+            </a:lnRef>
+            <a:fillRef idx="3">
+              <a:schemeClr val="accent1"/>
+            </a:fillRef>
+            <a:effectRef idx="2">
+              <a:schemeClr val="accent1"/>
+            </a:effectRef>
+            <a:fontRef idx="minor">
+              <a:schemeClr val="lt1"/>
+            </a:fontRef>
+          </p:style>
+          <p:txBody>
+            <a:bodyPr rtlCol="0" anchor="ctr"/>
+            <a:lstStyle/>
+            <a:p>
+              <a:pPr algn="ctr"/>
+              <a:endParaRPr lang="en-US"/>
+            </a:p>
+          </p:txBody>
+        </p:sp>
+        <p:cxnSp>
+          <p:nvCxnSpPr>
+            <p:cNvPr id="97" name="Straight Connector 96">
+              <a:extLst>
+                <a:ext uri="{FF2B5EF4-FFF2-40B4-BE49-F238E27FC236}">
+                  <a16:creationId xmlns:a16="http://schemas.microsoft.com/office/drawing/2014/main" id="{33CA7BFD-BF9E-604C-97D1-391B3C4ECC69}"/>
+                </a:ext>
+              </a:extLst>
+            </p:cNvPr>
+            <p:cNvCxnSpPr>
+              <a:cxnSpLocks/>
+              <a:stCxn id="103" idx="0"/>
+              <a:endCxn id="98" idx="0"/>
+            </p:cNvCxnSpPr>
+            <p:nvPr/>
+          </p:nvCxnSpPr>
+          <p:spPr>
+            <a:xfrm flipV="1">
+              <a:off x="5591965" y="1597774"/>
+              <a:ext cx="2776" cy="211307"/>
+            </a:xfrm>
+            <a:prstGeom prst="line">
+              <a:avLst/>
+            </a:prstGeom>
+            <a:ln>
               <a:solidFill>
-                <a:schemeClr val="tx1"/>
+                <a:schemeClr val="tx1">
+                  <a:lumMod val="95000"/>
+                  <a:lumOff val="5000"/>
+                </a:schemeClr>
               </a:solidFill>
-              <a:ln>
-                <a:solidFill>
-                  <a:srgbClr val="0D0D0D"/>
-                </a:solidFill>
-              </a:ln>
-              <a:effectLst/>
-            </p:spPr>
-            <p:style>
-              <a:lnRef idx="1">
-                <a:schemeClr val="accent1"/>
-              </a:lnRef>
-              <a:fillRef idx="3">
-                <a:schemeClr val="accent1"/>
-              </a:fillRef>
-              <a:effectRef idx="2">
-                <a:schemeClr val="accent1"/>
-              </a:effectRef>
-              <a:fontRef idx="minor">
-                <a:schemeClr val="lt1"/>
-              </a:fontRef>
-            </p:style>
-            <p:txBody>
-              <a:bodyPr rtlCol="0" anchor="ctr"/>
-              <a:lstStyle/>
-              <a:p>
-                <a:pPr algn="ctr"/>
-                <a:endParaRPr lang="en-US"/>
-              </a:p>
-            </p:txBody>
-          </p:sp>
-        </p:grpSp>
+            </a:ln>
+            <a:effectLst/>
+          </p:spPr>
+          <p:style>
+            <a:lnRef idx="2">
+              <a:schemeClr val="accent1"/>
+            </a:lnRef>
+            <a:fillRef idx="0">
+              <a:schemeClr val="accent1"/>
+            </a:fillRef>
+            <a:effectRef idx="1">
+              <a:schemeClr val="accent1"/>
+            </a:effectRef>
+            <a:fontRef idx="minor">
+              <a:schemeClr val="tx1"/>
+            </a:fontRef>
+          </p:style>
+        </p:cxnSp>
+        <p:sp>
+          <p:nvSpPr>
+            <p:cNvPr id="98" name="Oval 97">
+              <a:extLst>
+                <a:ext uri="{FF2B5EF4-FFF2-40B4-BE49-F238E27FC236}">
+                  <a16:creationId xmlns:a16="http://schemas.microsoft.com/office/drawing/2014/main" id="{079817EE-2D25-A442-A8D4-2191EBE7684B}"/>
+                </a:ext>
+              </a:extLst>
+            </p:cNvPr>
+            <p:cNvSpPr/>
+            <p:nvPr/>
+          </p:nvSpPr>
+          <p:spPr>
+            <a:xfrm rot="10800000">
+              <a:off x="5519696" y="1459228"/>
+              <a:ext cx="150091" cy="138546"/>
+            </a:xfrm>
+            <a:prstGeom prst="ellipse">
+              <a:avLst/>
+            </a:prstGeom>
+            <a:solidFill>
+              <a:schemeClr val="tx1"/>
+            </a:solidFill>
+            <a:ln>
+              <a:solidFill>
+                <a:srgbClr val="0D0D0D"/>
+              </a:solidFill>
+            </a:ln>
+            <a:effectLst/>
+          </p:spPr>
+          <p:style>
+            <a:lnRef idx="1">
+              <a:schemeClr val="accent1"/>
+            </a:lnRef>
+            <a:fillRef idx="3">
+              <a:schemeClr val="accent1"/>
+            </a:fillRef>
+            <a:effectRef idx="2">
+              <a:schemeClr val="accent1"/>
+            </a:effectRef>
+            <a:fontRef idx="minor">
+              <a:schemeClr val="lt1"/>
+            </a:fontRef>
+          </p:style>
+          <p:txBody>
+            <a:bodyPr rtlCol="0" anchor="ctr"/>
+            <a:lstStyle/>
+            <a:p>
+              <a:pPr algn="ctr"/>
+              <a:endParaRPr lang="en-US"/>
+            </a:p>
+          </p:txBody>
+        </p:sp>
+        <p:cxnSp>
+          <p:nvCxnSpPr>
+            <p:cNvPr id="99" name="Straight Connector 98">
+              <a:extLst>
+                <a:ext uri="{FF2B5EF4-FFF2-40B4-BE49-F238E27FC236}">
+                  <a16:creationId xmlns:a16="http://schemas.microsoft.com/office/drawing/2014/main" id="{1E2A23FA-54D7-144A-A024-E1C55ED6A785}"/>
+                </a:ext>
+              </a:extLst>
+            </p:cNvPr>
+            <p:cNvCxnSpPr>
+              <a:cxnSpLocks/>
+              <a:stCxn id="104" idx="0"/>
+              <a:endCxn id="100" idx="0"/>
+            </p:cNvCxnSpPr>
+            <p:nvPr/>
+          </p:nvCxnSpPr>
+          <p:spPr>
+            <a:xfrm flipH="1" flipV="1">
+              <a:off x="6824214" y="1581808"/>
+              <a:ext cx="1" cy="227274"/>
+            </a:xfrm>
+            <a:prstGeom prst="line">
+              <a:avLst/>
+            </a:prstGeom>
+            <a:ln>
+              <a:solidFill>
+                <a:schemeClr val="tx1">
+                  <a:lumMod val="95000"/>
+                  <a:lumOff val="5000"/>
+                </a:schemeClr>
+              </a:solidFill>
+            </a:ln>
+            <a:effectLst/>
+          </p:spPr>
+          <p:style>
+            <a:lnRef idx="2">
+              <a:schemeClr val="accent1"/>
+            </a:lnRef>
+            <a:fillRef idx="0">
+              <a:schemeClr val="accent1"/>
+            </a:fillRef>
+            <a:effectRef idx="1">
+              <a:schemeClr val="accent1"/>
+            </a:effectRef>
+            <a:fontRef idx="minor">
+              <a:schemeClr val="tx1"/>
+            </a:fontRef>
+          </p:style>
+        </p:cxnSp>
+        <p:sp>
+          <p:nvSpPr>
+            <p:cNvPr id="100" name="Oval 99">
+              <a:extLst>
+                <a:ext uri="{FF2B5EF4-FFF2-40B4-BE49-F238E27FC236}">
+                  <a16:creationId xmlns:a16="http://schemas.microsoft.com/office/drawing/2014/main" id="{7055E569-58CC-0D4B-B7F0-60AD0938B62C}"/>
+                </a:ext>
+              </a:extLst>
+            </p:cNvPr>
+            <p:cNvSpPr/>
+            <p:nvPr/>
+          </p:nvSpPr>
+          <p:spPr>
+            <a:xfrm rot="10800000">
+              <a:off x="6749169" y="1443262"/>
+              <a:ext cx="150091" cy="138546"/>
+            </a:xfrm>
+            <a:prstGeom prst="ellipse">
+              <a:avLst/>
+            </a:prstGeom>
+            <a:solidFill>
+              <a:schemeClr val="tx1"/>
+            </a:solidFill>
+            <a:ln>
+              <a:solidFill>
+                <a:srgbClr val="0D0D0D"/>
+              </a:solidFill>
+            </a:ln>
+            <a:effectLst/>
+          </p:spPr>
+          <p:style>
+            <a:lnRef idx="1">
+              <a:schemeClr val="accent1"/>
+            </a:lnRef>
+            <a:fillRef idx="3">
+              <a:schemeClr val="accent1"/>
+            </a:fillRef>
+            <a:effectRef idx="2">
+              <a:schemeClr val="accent1"/>
+            </a:effectRef>
+            <a:fontRef idx="minor">
+              <a:schemeClr val="lt1"/>
+            </a:fontRef>
+          </p:style>
+          <p:txBody>
+            <a:bodyPr rtlCol="0" anchor="ctr"/>
+            <a:lstStyle/>
+            <a:p>
+              <a:pPr algn="ctr"/>
+              <a:endParaRPr lang="en-US"/>
+            </a:p>
+          </p:txBody>
+        </p:sp>
+        <p:cxnSp>
+          <p:nvCxnSpPr>
+            <p:cNvPr id="46" name="Straight Arrow Connector 45">
+              <a:extLst>
+                <a:ext uri="{FF2B5EF4-FFF2-40B4-BE49-F238E27FC236}">
+                  <a16:creationId xmlns:a16="http://schemas.microsoft.com/office/drawing/2014/main" id="{DEA3120C-AA20-DC42-9AFD-270C3F1CAEAA}"/>
+                </a:ext>
+              </a:extLst>
+            </p:cNvPr>
+            <p:cNvCxnSpPr>
+              <a:cxnSpLocks/>
+            </p:cNvCxnSpPr>
+            <p:nvPr/>
+          </p:nvCxnSpPr>
+          <p:spPr>
+            <a:xfrm flipV="1">
+              <a:off x="3051639" y="2772666"/>
+              <a:ext cx="0" cy="821378"/>
+            </a:xfrm>
+            <a:prstGeom prst="straightConnector1">
+              <a:avLst/>
+            </a:prstGeom>
+            <a:ln>
+              <a:tailEnd type="arrow"/>
+            </a:ln>
+            <a:effectLst/>
+          </p:spPr>
+          <p:style>
+            <a:lnRef idx="2">
+              <a:schemeClr val="dk1"/>
+            </a:lnRef>
+            <a:fillRef idx="0">
+              <a:schemeClr val="dk1"/>
+            </a:fillRef>
+            <a:effectRef idx="1">
+              <a:schemeClr val="dk1"/>
+            </a:effectRef>
+            <a:fontRef idx="minor">
+              <a:schemeClr val="tx1"/>
+            </a:fontRef>
+          </p:style>
+        </p:cxnSp>
+        <p:sp>
+          <p:nvSpPr>
+            <p:cNvPr id="6" name="Rounded Rectangle 5"/>
+            <p:cNvSpPr/>
+            <p:nvPr/>
+          </p:nvSpPr>
+          <p:spPr>
+            <a:xfrm>
+              <a:off x="997529" y="3594044"/>
+              <a:ext cx="2825440" cy="447437"/>
+            </a:xfrm>
+            <a:prstGeom prst="roundRect">
+              <a:avLst/>
+            </a:prstGeom>
+            <a:solidFill>
+              <a:schemeClr val="accent1">
+                <a:lumMod val="40000"/>
+                <a:lumOff val="60000"/>
+              </a:schemeClr>
+            </a:solidFill>
+            <a:effectLst/>
+          </p:spPr>
+          <p:style>
+            <a:lnRef idx="3">
+              <a:schemeClr val="lt1"/>
+            </a:lnRef>
+            <a:fillRef idx="1">
+              <a:schemeClr val="accent1"/>
+            </a:fillRef>
+            <a:effectRef idx="1">
+              <a:schemeClr val="accent1"/>
+            </a:effectRef>
+            <a:fontRef idx="minor">
+              <a:schemeClr val="lt1"/>
+            </a:fontRef>
+          </p:style>
+          <p:txBody>
+            <a:bodyPr rtlCol="0" anchor="ctr"/>
+            <a:lstStyle/>
+            <a:p>
+              <a:pPr algn="ctr"/>
+              <a:r>
+                <a:rPr lang="en-US" sz="1400" dirty="0">
+                  <a:solidFill>
+                    <a:sysClr val="windowText" lastClr="000000"/>
+                  </a:solidFill>
+                </a:rPr>
+                <a:t>Assembly Manager</a:t>
+              </a:r>
+            </a:p>
+          </p:txBody>
+        </p:sp>
+        <p:sp>
+          <p:nvSpPr>
+            <p:cNvPr id="51" name="Rounded Rectangle 50">
+              <a:extLst>
+                <a:ext uri="{FF2B5EF4-FFF2-40B4-BE49-F238E27FC236}">
+                  <a16:creationId xmlns:a16="http://schemas.microsoft.com/office/drawing/2014/main" id="{E1318272-F297-9248-A7FF-EA20B78B29F9}"/>
+                </a:ext>
+              </a:extLst>
+            </p:cNvPr>
+            <p:cNvSpPr/>
+            <p:nvPr/>
+          </p:nvSpPr>
+          <p:spPr>
+            <a:xfrm>
+              <a:off x="4433028" y="3021658"/>
+              <a:ext cx="1424710" cy="485864"/>
+            </a:xfrm>
+            <a:prstGeom prst="roundRect">
+              <a:avLst/>
+            </a:prstGeom>
+            <a:solidFill>
+              <a:schemeClr val="accent1">
+                <a:lumMod val="40000"/>
+                <a:lumOff val="60000"/>
+              </a:schemeClr>
+            </a:solidFill>
+            <a:effectLst/>
+          </p:spPr>
+          <p:style>
+            <a:lnRef idx="3">
+              <a:schemeClr val="lt1"/>
+            </a:lnRef>
+            <a:fillRef idx="1">
+              <a:schemeClr val="accent1"/>
+            </a:fillRef>
+            <a:effectRef idx="1">
+              <a:schemeClr val="accent1"/>
+            </a:effectRef>
+            <a:fontRef idx="minor">
+              <a:schemeClr val="lt1"/>
+            </a:fontRef>
+          </p:style>
+          <p:txBody>
+            <a:bodyPr rtlCol="0" anchor="ctr"/>
+            <a:lstStyle/>
+            <a:p>
+              <a:pPr algn="ctr"/>
+              <a:r>
+                <a:rPr lang="en-US" sz="1400" dirty="0">
+                  <a:solidFill>
+                    <a:sysClr val="windowText" lastClr="000000"/>
+                  </a:solidFill>
+                </a:rPr>
+                <a:t>Monitor</a:t>
+              </a:r>
+            </a:p>
+          </p:txBody>
+        </p:sp>
+        <p:sp>
+          <p:nvSpPr>
+            <p:cNvPr id="52" name="Rounded Rectangle 51">
+              <a:extLst>
+                <a:ext uri="{FF2B5EF4-FFF2-40B4-BE49-F238E27FC236}">
+                  <a16:creationId xmlns:a16="http://schemas.microsoft.com/office/drawing/2014/main" id="{2E0174C4-CD2D-9B43-8373-85165EB38E2E}"/>
+                </a:ext>
+              </a:extLst>
+            </p:cNvPr>
+            <p:cNvSpPr/>
+            <p:nvPr/>
+          </p:nvSpPr>
+          <p:spPr>
+            <a:xfrm>
+              <a:off x="4433028" y="4128003"/>
+              <a:ext cx="2830750" cy="447437"/>
+            </a:xfrm>
+            <a:prstGeom prst="roundRect">
+              <a:avLst/>
+            </a:prstGeom>
+            <a:solidFill>
+              <a:schemeClr val="accent1">
+                <a:lumMod val="40000"/>
+                <a:lumOff val="60000"/>
+              </a:schemeClr>
+            </a:solidFill>
+            <a:effectLst/>
+          </p:spPr>
+          <p:style>
+            <a:lnRef idx="3">
+              <a:schemeClr val="lt1"/>
+            </a:lnRef>
+            <a:fillRef idx="1">
+              <a:schemeClr val="accent1"/>
+            </a:fillRef>
+            <a:effectRef idx="1">
+              <a:schemeClr val="accent1"/>
+            </a:effectRef>
+            <a:fontRef idx="minor">
+              <a:schemeClr val="lt1"/>
+            </a:fontRef>
+          </p:style>
+          <p:txBody>
+            <a:bodyPr rtlCol="0" anchor="ctr"/>
+            <a:lstStyle/>
+            <a:p>
+              <a:pPr algn="ctr"/>
+              <a:r>
+                <a:rPr lang="en-US" sz="1400" dirty="0">
+                  <a:solidFill>
+                    <a:sysClr val="windowText" lastClr="000000"/>
+                  </a:solidFill>
+                </a:rPr>
+                <a:t>Dissemination</a:t>
+              </a:r>
+            </a:p>
+          </p:txBody>
+        </p:sp>
+        <p:cxnSp>
+          <p:nvCxnSpPr>
+            <p:cNvPr id="53" name="Straight Arrow Connector 52">
+              <a:extLst>
+                <a:ext uri="{FF2B5EF4-FFF2-40B4-BE49-F238E27FC236}">
+                  <a16:creationId xmlns:a16="http://schemas.microsoft.com/office/drawing/2014/main" id="{88D214F5-4AE0-B84D-BC83-F5363B63C081}"/>
+                </a:ext>
+              </a:extLst>
+            </p:cNvPr>
+            <p:cNvCxnSpPr>
+              <a:cxnSpLocks/>
+            </p:cNvCxnSpPr>
+            <p:nvPr/>
+          </p:nvCxnSpPr>
+          <p:spPr>
+            <a:xfrm flipV="1">
+              <a:off x="6542057" y="2772666"/>
+              <a:ext cx="0" cy="821378"/>
+            </a:xfrm>
+            <a:prstGeom prst="straightConnector1">
+              <a:avLst/>
+            </a:prstGeom>
+            <a:ln>
+              <a:tailEnd type="arrow"/>
+            </a:ln>
+            <a:effectLst/>
+          </p:spPr>
+          <p:style>
+            <a:lnRef idx="2">
+              <a:schemeClr val="dk1"/>
+            </a:lnRef>
+            <a:fillRef idx="0">
+              <a:schemeClr val="dk1"/>
+            </a:fillRef>
+            <a:effectRef idx="1">
+              <a:schemeClr val="dk1"/>
+            </a:effectRef>
+            <a:fontRef idx="minor">
+              <a:schemeClr val="tx1"/>
+            </a:fontRef>
+          </p:style>
+        </p:cxnSp>
+        <p:sp>
+          <p:nvSpPr>
+            <p:cNvPr id="54" name="Rounded Rectangle 53">
+              <a:extLst>
+                <a:ext uri="{FF2B5EF4-FFF2-40B4-BE49-F238E27FC236}">
+                  <a16:creationId xmlns:a16="http://schemas.microsoft.com/office/drawing/2014/main" id="{542A47FC-E0D2-FA48-B0A5-7D6C578065B9}"/>
+                </a:ext>
+              </a:extLst>
+            </p:cNvPr>
+            <p:cNvSpPr/>
+            <p:nvPr/>
+          </p:nvSpPr>
+          <p:spPr>
+            <a:xfrm>
+              <a:off x="4433028" y="3594044"/>
+              <a:ext cx="2830750" cy="447437"/>
+            </a:xfrm>
+            <a:prstGeom prst="roundRect">
+              <a:avLst/>
+            </a:prstGeom>
+            <a:solidFill>
+              <a:schemeClr val="accent1">
+                <a:lumMod val="40000"/>
+                <a:lumOff val="60000"/>
+              </a:schemeClr>
+            </a:solidFill>
+            <a:effectLst/>
+          </p:spPr>
+          <p:style>
+            <a:lnRef idx="3">
+              <a:schemeClr val="lt1"/>
+            </a:lnRef>
+            <a:fillRef idx="1">
+              <a:schemeClr val="accent1"/>
+            </a:fillRef>
+            <a:effectRef idx="1">
+              <a:schemeClr val="accent1"/>
+            </a:effectRef>
+            <a:fontRef idx="minor">
+              <a:schemeClr val="lt1"/>
+            </a:fontRef>
+          </p:style>
+          <p:txBody>
+            <a:bodyPr rtlCol="0" anchor="ctr"/>
+            <a:lstStyle/>
+            <a:p>
+              <a:pPr algn="ctr"/>
+              <a:r>
+                <a:rPr lang="en-US" sz="1400" dirty="0">
+                  <a:solidFill>
+                    <a:sysClr val="windowText" lastClr="000000"/>
+                  </a:solidFill>
+                </a:rPr>
+                <a:t>Assembly Manager</a:t>
+              </a:r>
+            </a:p>
+          </p:txBody>
+        </p:sp>
         <p:cxnSp>
           <p:nvCxnSpPr>
             <p:cNvPr id="110" name="Straight Arrow Connector 109">
@@ -5542,14 +5596,14 @@
             <p:cNvCxnSpPr>
               <a:cxnSpLocks/>
               <a:stCxn id="4" idx="3"/>
-              <a:endCxn id="92" idx="1"/>
+              <a:endCxn id="52" idx="1"/>
             </p:cNvCxnSpPr>
             <p:nvPr/>
           </p:nvCxnSpPr>
           <p:spPr>
             <a:xfrm>
-              <a:off x="3552224" y="4642153"/>
-              <a:ext cx="1130876" cy="0"/>
+              <a:off x="3822969" y="4351721"/>
+              <a:ext cx="610059" cy="1"/>
             </a:xfrm>
             <a:prstGeom prst="straightConnector1">
               <a:avLst/>
@@ -5562,6 +5616,7 @@
               <a:headEnd type="triangle"/>
               <a:tailEnd type="triangle"/>
             </a:ln>
+            <a:effectLst/>
           </p:spPr>
           <p:style>
             <a:lnRef idx="2">
@@ -5589,14 +5644,14 @@
             </p:cNvPr>
             <p:cNvCxnSpPr>
               <a:cxnSpLocks/>
-              <a:stCxn id="26" idx="3"/>
-              <a:endCxn id="101" idx="1"/>
+              <a:stCxn id="6" idx="3"/>
+              <a:endCxn id="54" idx="1"/>
             </p:cNvCxnSpPr>
             <p:nvPr/>
           </p:nvCxnSpPr>
           <p:spPr>
             <a:xfrm>
-              <a:off x="3822969" y="2266687"/>
+              <a:off x="3822969" y="3817763"/>
               <a:ext cx="610059" cy="0"/>
             </a:xfrm>
             <a:prstGeom prst="straightConnector1">
@@ -5610,6 +5665,7 @@
               <a:headEnd type="triangle"/>
               <a:tailEnd type="triangle"/>
             </a:ln>
+            <a:effectLst/>
           </p:spPr>
           <p:style>
             <a:lnRef idx="2">
